--- a/Are_You_Smarter_Than_a_5th_Grader.pptx
+++ b/Are_You_Smarter_Than_a_5th_Grader.pptx
@@ -5,13 +5,7 @@
     <p:sldMasterId id="2147483648" r:id="rId1"/>
   </p:sldMasterIdLst>
   <p:sldIdLst>
-    <p:sldId id="256" r:id="rId2"/>
-    <p:sldId id="257" r:id="rId3"/>
-    <p:sldId id="258" r:id="rId4"/>
-    <p:sldId id="259" r:id="rId5"/>
-    <p:sldId id="260" r:id="rId6"/>
-    <p:sldId id="261" r:id="rId7"/>
-    <p:sldId id="262" r:id="rId8"/>
+    <p:sldId id="256" r:id="rId7"/>
   </p:sldIdLst>
   <p:sldSz cx="9144000" cy="6858000" type="screen4x3"/>
   <p:notesSz cx="6858000" cy="9144000"/>
@@ -110,116 +104,7 @@
       </a:defRPr>
     </a:lvl9pPr>
   </p:defaultTextStyle>
-  <p:extLst>
-    <p:ext uri="{EFAFB233-063F-42B5-8137-9DF3F51BA10A}">
-      <p15:sldGuideLst xmlns:p15="http://schemas.microsoft.com/office/powerpoint/2012/main">
-        <p15:guide id="1" orient="horz" pos="2160">
-          <p15:clr>
-            <a:srgbClr val="A4A3A4"/>
-          </p15:clr>
-        </p15:guide>
-        <p15:guide id="2" pos="2880">
-          <p15:clr>
-            <a:srgbClr val="A4A3A4"/>
-          </p15:clr>
-        </p15:guide>
-      </p15:sldGuideLst>
-    </p:ext>
-  </p:extLst>
 </p:presentation>
-</file>
-
-<file path=ppt/changesInfos/changesInfo1.xml><?xml version="1.0" encoding="utf-8"?>
-<pc:chgInfo xmlns:a="http://schemas.openxmlformats.org/drawingml/2006/main" xmlns:r="http://schemas.openxmlformats.org/officeDocument/2006/relationships" xmlns:ac="http://schemas.microsoft.com/office/drawing/2013/main/command" xmlns:pc="http://schemas.microsoft.com/office/powerpoint/2013/main/command">
-  <pc:docChgLst>
-    <pc:chgData name="LO LO Webb" userId="17ba928da5630d73" providerId="LiveId" clId="{5999B553-1AC5-4E9B-B534-6849FF475DF0}"/>
-    <pc:docChg chg="undo custSel addSld modSld">
-      <pc:chgData name="LO LO Webb" userId="17ba928da5630d73" providerId="LiveId" clId="{5999B553-1AC5-4E9B-B534-6849FF475DF0}" dt="2025-01-22T20:46:55.624" v="363" actId="26606"/>
-      <pc:docMkLst>
-        <pc:docMk/>
-      </pc:docMkLst>
-      <pc:sldChg chg="addSp delSp modSp new mod setBg">
-        <pc:chgData name="LO LO Webb" userId="17ba928da5630d73" providerId="LiveId" clId="{5999B553-1AC5-4E9B-B534-6849FF475DF0}" dt="2025-01-22T20:46:55.624" v="363" actId="26606"/>
-        <pc:sldMkLst>
-          <pc:docMk/>
-          <pc:sldMk cId="93657319" sldId="262"/>
-        </pc:sldMkLst>
-        <pc:spChg chg="mod">
-          <ac:chgData name="LO LO Webb" userId="17ba928da5630d73" providerId="LiveId" clId="{5999B553-1AC5-4E9B-B534-6849FF475DF0}" dt="2025-01-22T20:46:55.624" v="363" actId="26606"/>
-          <ac:spMkLst>
-            <pc:docMk/>
-            <pc:sldMk cId="93657319" sldId="262"/>
-            <ac:spMk id="2" creationId="{B1868B6D-630C-A6BB-1301-F41092E98269}"/>
-          </ac:spMkLst>
-        </pc:spChg>
-        <pc:spChg chg="add del mod">
-          <ac:chgData name="LO LO Webb" userId="17ba928da5630d73" providerId="LiveId" clId="{5999B553-1AC5-4E9B-B534-6849FF475DF0}" dt="2025-01-22T20:46:55.624" v="363" actId="26606"/>
-          <ac:spMkLst>
-            <pc:docMk/>
-            <pc:sldMk cId="93657319" sldId="262"/>
-            <ac:spMk id="3" creationId="{A4A554E0-6AB5-2890-B911-280900988A12}"/>
-          </ac:spMkLst>
-        </pc:spChg>
-        <pc:spChg chg="add">
-          <ac:chgData name="LO LO Webb" userId="17ba928da5630d73" providerId="LiveId" clId="{5999B553-1AC5-4E9B-B534-6849FF475DF0}" dt="2025-01-22T20:46:55.624" v="363" actId="26606"/>
-          <ac:spMkLst>
-            <pc:docMk/>
-            <pc:sldMk cId="93657319" sldId="262"/>
-            <ac:spMk id="8" creationId="{DBF61EA3-B236-439E-9C0B-340980D56BEE}"/>
-          </ac:spMkLst>
-        </pc:spChg>
-        <pc:spChg chg="add del">
-          <ac:chgData name="LO LO Webb" userId="17ba928da5630d73" providerId="LiveId" clId="{5999B553-1AC5-4E9B-B534-6849FF475DF0}" dt="2025-01-22T20:46:55.616" v="362" actId="26606"/>
-          <ac:spMkLst>
-            <pc:docMk/>
-            <pc:sldMk cId="93657319" sldId="262"/>
-            <ac:spMk id="10" creationId="{D93394DA-E684-47C2-9020-13225823F40A}"/>
-          </ac:spMkLst>
-        </pc:spChg>
-        <pc:spChg chg="add">
-          <ac:chgData name="LO LO Webb" userId="17ba928da5630d73" providerId="LiveId" clId="{5999B553-1AC5-4E9B-B534-6849FF475DF0}" dt="2025-01-22T20:46:55.624" v="363" actId="26606"/>
-          <ac:spMkLst>
-            <pc:docMk/>
-            <pc:sldMk cId="93657319" sldId="262"/>
-            <ac:spMk id="14" creationId="{E659831F-0D9A-4C63-9EBB-8435B85A440F}"/>
-          </ac:spMkLst>
-        </pc:spChg>
-        <pc:spChg chg="add">
-          <ac:chgData name="LO LO Webb" userId="17ba928da5630d73" providerId="LiveId" clId="{5999B553-1AC5-4E9B-B534-6849FF475DF0}" dt="2025-01-22T20:46:55.624" v="363" actId="26606"/>
-          <ac:spMkLst>
-            <pc:docMk/>
-            <pc:sldMk cId="93657319" sldId="262"/>
-            <ac:spMk id="15" creationId="{A4A554E0-6AB5-2890-B911-280900988A12}"/>
-          </ac:spMkLst>
-        </pc:spChg>
-        <pc:grpChg chg="add">
-          <ac:chgData name="LO LO Webb" userId="17ba928da5630d73" providerId="LiveId" clId="{5999B553-1AC5-4E9B-B534-6849FF475DF0}" dt="2025-01-22T20:46:55.624" v="363" actId="26606"/>
-          <ac:grpSpMkLst>
-            <pc:docMk/>
-            <pc:sldMk cId="93657319" sldId="262"/>
-            <ac:grpSpMk id="13" creationId="{28FAF094-D087-493F-8DF9-A486C2D6BBAA}"/>
-          </ac:grpSpMkLst>
-        </pc:grpChg>
-        <pc:graphicFrameChg chg="add del">
-          <ac:chgData name="LO LO Webb" userId="17ba928da5630d73" providerId="LiveId" clId="{5999B553-1AC5-4E9B-B534-6849FF475DF0}" dt="2025-01-22T20:46:55.616" v="362" actId="26606"/>
-          <ac:graphicFrameMkLst>
-            <pc:docMk/>
-            <pc:sldMk cId="93657319" sldId="262"/>
-            <ac:graphicFrameMk id="5" creationId="{AACF702F-5E66-30D8-0277-1F9FBDEF52A8}"/>
-          </ac:graphicFrameMkLst>
-        </pc:graphicFrameChg>
-        <pc:picChg chg="add del">
-          <ac:chgData name="LO LO Webb" userId="17ba928da5630d73" providerId="LiveId" clId="{5999B553-1AC5-4E9B-B534-6849FF475DF0}" dt="2025-01-22T20:46:55.616" v="362" actId="26606"/>
-          <ac:picMkLst>
-            <pc:docMk/>
-            <pc:sldMk cId="93657319" sldId="262"/>
-            <ac:picMk id="6" creationId="{AB54F1E6-C8E1-E60E-C1D3-1887005BD88E}"/>
-          </ac:picMkLst>
-        </pc:picChg>
-      </pc:sldChg>
-    </pc:docChg>
-  </pc:docChgLst>
-</pc:chgInfo>
 </file>
 
 <file path=ppt/slideLayouts/slideLayout1.xml><?xml version="1.0" encoding="utf-8"?>
@@ -260,9 +145,10 @@
           <a:lstStyle/>
           <a:p>
             <a:r>
-              <a:rPr lang="en-US"/>
+              <a:rPr lang="en-US" smtClean="0"/>
               <a:t>Click to edit Master title style</a:t>
             </a:r>
+            <a:endParaRPr lang="en-US"/>
           </a:p>
         </p:txBody>
       </p:sp>
@@ -378,9 +264,10 @@
           </a:lstStyle>
           <a:p>
             <a:r>
-              <a:rPr lang="en-US"/>
+              <a:rPr lang="en-US" smtClean="0"/>
               <a:t>Click to edit Master subtitle style</a:t>
             </a:r>
+            <a:endParaRPr lang="en-US"/>
           </a:p>
         </p:txBody>
       </p:sp>
@@ -401,7 +288,7 @@
           <a:p>
             <a:fld id="{5BCAD085-E8A6-8845-BD4E-CB4CCA059FC4}" type="datetimeFigureOut">
               <a:rPr lang="en-US" smtClean="0"/>
-              <a:t>1/22/2025</a:t>
+              <a:t>1/27/13</a:t>
             </a:fld>
             <a:endParaRPr lang="en-US"/>
           </a:p>
@@ -495,9 +382,10 @@
           <a:lstStyle/>
           <a:p>
             <a:r>
-              <a:rPr lang="en-US"/>
+              <a:rPr lang="en-US" smtClean="0"/>
               <a:t>Click to edit Master title style</a:t>
             </a:r>
+            <a:endParaRPr lang="en-US"/>
           </a:p>
         </p:txBody>
       </p:sp>
@@ -518,37 +406,38 @@
           <a:p>
             <a:pPr lvl="0"/>
             <a:r>
-              <a:rPr lang="en-US"/>
+              <a:rPr lang="en-US" smtClean="0"/>
               <a:t>Click to edit Master text styles</a:t>
             </a:r>
           </a:p>
           <a:p>
             <a:pPr lvl="1"/>
             <a:r>
-              <a:rPr lang="en-US"/>
+              <a:rPr lang="en-US" smtClean="0"/>
               <a:t>Second level</a:t>
             </a:r>
           </a:p>
           <a:p>
             <a:pPr lvl="2"/>
             <a:r>
-              <a:rPr lang="en-US"/>
+              <a:rPr lang="en-US" smtClean="0"/>
               <a:t>Third level</a:t>
             </a:r>
           </a:p>
           <a:p>
             <a:pPr lvl="3"/>
             <a:r>
-              <a:rPr lang="en-US"/>
+              <a:rPr lang="en-US" smtClean="0"/>
               <a:t>Fourth level</a:t>
             </a:r>
           </a:p>
           <a:p>
             <a:pPr lvl="4"/>
             <a:r>
-              <a:rPr lang="en-US"/>
+              <a:rPr lang="en-US" smtClean="0"/>
               <a:t>Fifth level</a:t>
             </a:r>
+            <a:endParaRPr lang="en-US"/>
           </a:p>
         </p:txBody>
       </p:sp>
@@ -569,7 +458,7 @@
           <a:p>
             <a:fld id="{5BCAD085-E8A6-8845-BD4E-CB4CCA059FC4}" type="datetimeFigureOut">
               <a:rPr lang="en-US" smtClean="0"/>
-              <a:t>1/22/2025</a:t>
+              <a:t>1/27/13</a:t>
             </a:fld>
             <a:endParaRPr lang="en-US"/>
           </a:p>
@@ -668,9 +557,10 @@
           <a:lstStyle/>
           <a:p>
             <a:r>
-              <a:rPr lang="en-US"/>
+              <a:rPr lang="en-US" smtClean="0"/>
               <a:t>Click to edit Master title style</a:t>
             </a:r>
+            <a:endParaRPr lang="en-US"/>
           </a:p>
         </p:txBody>
       </p:sp>
@@ -696,37 +586,38 @@
           <a:p>
             <a:pPr lvl="0"/>
             <a:r>
-              <a:rPr lang="en-US"/>
+              <a:rPr lang="en-US" smtClean="0"/>
               <a:t>Click to edit Master text styles</a:t>
             </a:r>
           </a:p>
           <a:p>
             <a:pPr lvl="1"/>
             <a:r>
-              <a:rPr lang="en-US"/>
+              <a:rPr lang="en-US" smtClean="0"/>
               <a:t>Second level</a:t>
             </a:r>
           </a:p>
           <a:p>
             <a:pPr lvl="2"/>
             <a:r>
-              <a:rPr lang="en-US"/>
+              <a:rPr lang="en-US" smtClean="0"/>
               <a:t>Third level</a:t>
             </a:r>
           </a:p>
           <a:p>
             <a:pPr lvl="3"/>
             <a:r>
-              <a:rPr lang="en-US"/>
+              <a:rPr lang="en-US" smtClean="0"/>
               <a:t>Fourth level</a:t>
             </a:r>
           </a:p>
           <a:p>
             <a:pPr lvl="4"/>
             <a:r>
-              <a:rPr lang="en-US"/>
+              <a:rPr lang="en-US" smtClean="0"/>
               <a:t>Fifth level</a:t>
             </a:r>
+            <a:endParaRPr lang="en-US"/>
           </a:p>
         </p:txBody>
       </p:sp>
@@ -747,7 +638,7 @@
           <a:p>
             <a:fld id="{5BCAD085-E8A6-8845-BD4E-CB4CCA059FC4}" type="datetimeFigureOut">
               <a:rPr lang="en-US" smtClean="0"/>
-              <a:t>1/22/2025</a:t>
+              <a:t>1/27/13</a:t>
             </a:fld>
             <a:endParaRPr lang="en-US"/>
           </a:p>
@@ -841,9 +732,10 @@
           <a:lstStyle/>
           <a:p>
             <a:r>
-              <a:rPr lang="en-US"/>
+              <a:rPr lang="en-US" smtClean="0"/>
               <a:t>Click to edit Master title style</a:t>
             </a:r>
+            <a:endParaRPr lang="en-US"/>
           </a:p>
         </p:txBody>
       </p:sp>
@@ -864,37 +756,38 @@
           <a:p>
             <a:pPr lvl="0"/>
             <a:r>
-              <a:rPr lang="en-US"/>
+              <a:rPr lang="en-US" smtClean="0"/>
               <a:t>Click to edit Master text styles</a:t>
             </a:r>
           </a:p>
           <a:p>
             <a:pPr lvl="1"/>
             <a:r>
-              <a:rPr lang="en-US"/>
+              <a:rPr lang="en-US" smtClean="0"/>
               <a:t>Second level</a:t>
             </a:r>
           </a:p>
           <a:p>
             <a:pPr lvl="2"/>
             <a:r>
-              <a:rPr lang="en-US"/>
+              <a:rPr lang="en-US" smtClean="0"/>
               <a:t>Third level</a:t>
             </a:r>
           </a:p>
           <a:p>
             <a:pPr lvl="3"/>
             <a:r>
-              <a:rPr lang="en-US"/>
+              <a:rPr lang="en-US" smtClean="0"/>
               <a:t>Fourth level</a:t>
             </a:r>
           </a:p>
           <a:p>
             <a:pPr lvl="4"/>
             <a:r>
-              <a:rPr lang="en-US"/>
+              <a:rPr lang="en-US" smtClean="0"/>
               <a:t>Fifth level</a:t>
             </a:r>
+            <a:endParaRPr lang="en-US"/>
           </a:p>
         </p:txBody>
       </p:sp>
@@ -915,7 +808,7 @@
           <a:p>
             <a:fld id="{5BCAD085-E8A6-8845-BD4E-CB4CCA059FC4}" type="datetimeFigureOut">
               <a:rPr lang="en-US" smtClean="0"/>
-              <a:t>1/22/2025</a:t>
+              <a:t>1/27/13</a:t>
             </a:fld>
             <a:endParaRPr lang="en-US"/>
           </a:p>
@@ -1018,9 +911,10 @@
           </a:lstStyle>
           <a:p>
             <a:r>
-              <a:rPr lang="en-US"/>
+              <a:rPr lang="en-US" smtClean="0"/>
               <a:t>Click to edit Master title style</a:t>
             </a:r>
+            <a:endParaRPr lang="en-US"/>
           </a:p>
         </p:txBody>
       </p:sp>
@@ -1137,7 +1031,7 @@
           <a:p>
             <a:pPr lvl="0"/>
             <a:r>
-              <a:rPr lang="en-US"/>
+              <a:rPr lang="en-US" smtClean="0"/>
               <a:t>Click to edit Master text styles</a:t>
             </a:r>
           </a:p>
@@ -1160,7 +1054,7 @@
           <a:p>
             <a:fld id="{5BCAD085-E8A6-8845-BD4E-CB4CCA059FC4}" type="datetimeFigureOut">
               <a:rPr lang="en-US" smtClean="0"/>
-              <a:t>1/22/2025</a:t>
+              <a:t>1/27/13</a:t>
             </a:fld>
             <a:endParaRPr lang="en-US"/>
           </a:p>
@@ -1254,9 +1148,10 @@
           <a:lstStyle/>
           <a:p>
             <a:r>
-              <a:rPr lang="en-US"/>
+              <a:rPr lang="en-US" smtClean="0"/>
               <a:t>Click to edit Master title style</a:t>
             </a:r>
+            <a:endParaRPr lang="en-US"/>
           </a:p>
         </p:txBody>
       </p:sp>
@@ -1310,37 +1205,38 @@
           <a:p>
             <a:pPr lvl="0"/>
             <a:r>
-              <a:rPr lang="en-US"/>
+              <a:rPr lang="en-US" smtClean="0"/>
               <a:t>Click to edit Master text styles</a:t>
             </a:r>
           </a:p>
           <a:p>
             <a:pPr lvl="1"/>
             <a:r>
-              <a:rPr lang="en-US"/>
+              <a:rPr lang="en-US" smtClean="0"/>
               <a:t>Second level</a:t>
             </a:r>
           </a:p>
           <a:p>
             <a:pPr lvl="2"/>
             <a:r>
-              <a:rPr lang="en-US"/>
+              <a:rPr lang="en-US" smtClean="0"/>
               <a:t>Third level</a:t>
             </a:r>
           </a:p>
           <a:p>
             <a:pPr lvl="3"/>
             <a:r>
-              <a:rPr lang="en-US"/>
+              <a:rPr lang="en-US" smtClean="0"/>
               <a:t>Fourth level</a:t>
             </a:r>
           </a:p>
           <a:p>
             <a:pPr lvl="4"/>
             <a:r>
-              <a:rPr lang="en-US"/>
+              <a:rPr lang="en-US" smtClean="0"/>
               <a:t>Fifth level</a:t>
             </a:r>
+            <a:endParaRPr lang="en-US"/>
           </a:p>
         </p:txBody>
       </p:sp>
@@ -1394,37 +1290,38 @@
           <a:p>
             <a:pPr lvl="0"/>
             <a:r>
-              <a:rPr lang="en-US"/>
+              <a:rPr lang="en-US" smtClean="0"/>
               <a:t>Click to edit Master text styles</a:t>
             </a:r>
           </a:p>
           <a:p>
             <a:pPr lvl="1"/>
             <a:r>
-              <a:rPr lang="en-US"/>
+              <a:rPr lang="en-US" smtClean="0"/>
               <a:t>Second level</a:t>
             </a:r>
           </a:p>
           <a:p>
             <a:pPr lvl="2"/>
             <a:r>
-              <a:rPr lang="en-US"/>
+              <a:rPr lang="en-US" smtClean="0"/>
               <a:t>Third level</a:t>
             </a:r>
           </a:p>
           <a:p>
             <a:pPr lvl="3"/>
             <a:r>
-              <a:rPr lang="en-US"/>
+              <a:rPr lang="en-US" smtClean="0"/>
               <a:t>Fourth level</a:t>
             </a:r>
           </a:p>
           <a:p>
             <a:pPr lvl="4"/>
             <a:r>
-              <a:rPr lang="en-US"/>
+              <a:rPr lang="en-US" smtClean="0"/>
               <a:t>Fifth level</a:t>
             </a:r>
+            <a:endParaRPr lang="en-US"/>
           </a:p>
         </p:txBody>
       </p:sp>
@@ -1445,7 +1342,7 @@
           <a:p>
             <a:fld id="{5BCAD085-E8A6-8845-BD4E-CB4CCA059FC4}" type="datetimeFigureOut">
               <a:rPr lang="en-US" smtClean="0"/>
-              <a:t>1/22/2025</a:t>
+              <a:t>1/27/13</a:t>
             </a:fld>
             <a:endParaRPr lang="en-US"/>
           </a:p>
@@ -1543,9 +1440,10 @@
           </a:lstStyle>
           <a:p>
             <a:r>
-              <a:rPr lang="en-US"/>
+              <a:rPr lang="en-US" smtClean="0"/>
               <a:t>Click to edit Master title style</a:t>
             </a:r>
+            <a:endParaRPr lang="en-US"/>
           </a:p>
         </p:txBody>
       </p:sp>
@@ -1608,7 +1506,7 @@
           <a:p>
             <a:pPr lvl="0"/>
             <a:r>
-              <a:rPr lang="en-US"/>
+              <a:rPr lang="en-US" smtClean="0"/>
               <a:t>Click to edit Master text styles</a:t>
             </a:r>
           </a:p>
@@ -1664,37 +1562,38 @@
           <a:p>
             <a:pPr lvl="0"/>
             <a:r>
-              <a:rPr lang="en-US"/>
+              <a:rPr lang="en-US" smtClean="0"/>
               <a:t>Click to edit Master text styles</a:t>
             </a:r>
           </a:p>
           <a:p>
             <a:pPr lvl="1"/>
             <a:r>
-              <a:rPr lang="en-US"/>
+              <a:rPr lang="en-US" smtClean="0"/>
               <a:t>Second level</a:t>
             </a:r>
           </a:p>
           <a:p>
             <a:pPr lvl="2"/>
             <a:r>
-              <a:rPr lang="en-US"/>
+              <a:rPr lang="en-US" smtClean="0"/>
               <a:t>Third level</a:t>
             </a:r>
           </a:p>
           <a:p>
             <a:pPr lvl="3"/>
             <a:r>
-              <a:rPr lang="en-US"/>
+              <a:rPr lang="en-US" smtClean="0"/>
               <a:t>Fourth level</a:t>
             </a:r>
           </a:p>
           <a:p>
             <a:pPr lvl="4"/>
             <a:r>
-              <a:rPr lang="en-US"/>
+              <a:rPr lang="en-US" smtClean="0"/>
               <a:t>Fifth level</a:t>
             </a:r>
+            <a:endParaRPr lang="en-US"/>
           </a:p>
         </p:txBody>
       </p:sp>
@@ -1757,7 +1656,7 @@
           <a:p>
             <a:pPr lvl="0"/>
             <a:r>
-              <a:rPr lang="en-US"/>
+              <a:rPr lang="en-US" smtClean="0"/>
               <a:t>Click to edit Master text styles</a:t>
             </a:r>
           </a:p>
@@ -1813,37 +1712,38 @@
           <a:p>
             <a:pPr lvl="0"/>
             <a:r>
-              <a:rPr lang="en-US"/>
+              <a:rPr lang="en-US" smtClean="0"/>
               <a:t>Click to edit Master text styles</a:t>
             </a:r>
           </a:p>
           <a:p>
             <a:pPr lvl="1"/>
             <a:r>
-              <a:rPr lang="en-US"/>
+              <a:rPr lang="en-US" smtClean="0"/>
               <a:t>Second level</a:t>
             </a:r>
           </a:p>
           <a:p>
             <a:pPr lvl="2"/>
             <a:r>
-              <a:rPr lang="en-US"/>
+              <a:rPr lang="en-US" smtClean="0"/>
               <a:t>Third level</a:t>
             </a:r>
           </a:p>
           <a:p>
             <a:pPr lvl="3"/>
             <a:r>
-              <a:rPr lang="en-US"/>
+              <a:rPr lang="en-US" smtClean="0"/>
               <a:t>Fourth level</a:t>
             </a:r>
           </a:p>
           <a:p>
             <a:pPr lvl="4"/>
             <a:r>
-              <a:rPr lang="en-US"/>
+              <a:rPr lang="en-US" smtClean="0"/>
               <a:t>Fifth level</a:t>
             </a:r>
+            <a:endParaRPr lang="en-US"/>
           </a:p>
         </p:txBody>
       </p:sp>
@@ -1864,7 +1764,7 @@
           <a:p>
             <a:fld id="{5BCAD085-E8A6-8845-BD4E-CB4CCA059FC4}" type="datetimeFigureOut">
               <a:rPr lang="en-US" smtClean="0"/>
-              <a:t>1/22/2025</a:t>
+              <a:t>1/27/13</a:t>
             </a:fld>
             <a:endParaRPr lang="en-US"/>
           </a:p>
@@ -1958,9 +1858,10 @@
           <a:lstStyle/>
           <a:p>
             <a:r>
-              <a:rPr lang="en-US"/>
+              <a:rPr lang="en-US" smtClean="0"/>
               <a:t>Click to edit Master title style</a:t>
             </a:r>
+            <a:endParaRPr lang="en-US"/>
           </a:p>
         </p:txBody>
       </p:sp>
@@ -1981,7 +1882,7 @@
           <a:p>
             <a:fld id="{5BCAD085-E8A6-8845-BD4E-CB4CCA059FC4}" type="datetimeFigureOut">
               <a:rPr lang="en-US" smtClean="0"/>
-              <a:t>1/22/2025</a:t>
+              <a:t>1/27/13</a:t>
             </a:fld>
             <a:endParaRPr lang="en-US"/>
           </a:p>
@@ -2076,7 +1977,7 @@
           <a:p>
             <a:fld id="{5BCAD085-E8A6-8845-BD4E-CB4CCA059FC4}" type="datetimeFigureOut">
               <a:rPr lang="en-US" smtClean="0"/>
-              <a:t>1/22/2025</a:t>
+              <a:t>1/27/13</a:t>
             </a:fld>
             <a:endParaRPr lang="en-US"/>
           </a:p>
@@ -2179,9 +2080,10 @@
           </a:lstStyle>
           <a:p>
             <a:r>
-              <a:rPr lang="en-US"/>
+              <a:rPr lang="en-US" smtClean="0"/>
               <a:t>Click to edit Master title style</a:t>
             </a:r>
+            <a:endParaRPr lang="en-US"/>
           </a:p>
         </p:txBody>
       </p:sp>
@@ -2235,37 +2137,38 @@
           <a:p>
             <a:pPr lvl="0"/>
             <a:r>
-              <a:rPr lang="en-US"/>
+              <a:rPr lang="en-US" smtClean="0"/>
               <a:t>Click to edit Master text styles</a:t>
             </a:r>
           </a:p>
           <a:p>
             <a:pPr lvl="1"/>
             <a:r>
-              <a:rPr lang="en-US"/>
+              <a:rPr lang="en-US" smtClean="0"/>
               <a:t>Second level</a:t>
             </a:r>
           </a:p>
           <a:p>
             <a:pPr lvl="2"/>
             <a:r>
-              <a:rPr lang="en-US"/>
+              <a:rPr lang="en-US" smtClean="0"/>
               <a:t>Third level</a:t>
             </a:r>
           </a:p>
           <a:p>
             <a:pPr lvl="3"/>
             <a:r>
-              <a:rPr lang="en-US"/>
+              <a:rPr lang="en-US" smtClean="0"/>
               <a:t>Fourth level</a:t>
             </a:r>
           </a:p>
           <a:p>
             <a:pPr lvl="4"/>
             <a:r>
-              <a:rPr lang="en-US"/>
+              <a:rPr lang="en-US" smtClean="0"/>
               <a:t>Fifth level</a:t>
             </a:r>
+            <a:endParaRPr lang="en-US"/>
           </a:p>
         </p:txBody>
       </p:sp>
@@ -2328,7 +2231,7 @@
           <a:p>
             <a:pPr lvl="0"/>
             <a:r>
-              <a:rPr lang="en-US"/>
+              <a:rPr lang="en-US" smtClean="0"/>
               <a:t>Click to edit Master text styles</a:t>
             </a:r>
           </a:p>
@@ -2351,7 +2254,7 @@
           <a:p>
             <a:fld id="{5BCAD085-E8A6-8845-BD4E-CB4CCA059FC4}" type="datetimeFigureOut">
               <a:rPr lang="en-US" smtClean="0"/>
-              <a:t>1/22/2025</a:t>
+              <a:t>1/27/13</a:t>
             </a:fld>
             <a:endParaRPr lang="en-US"/>
           </a:p>
@@ -2454,9 +2357,10 @@
           </a:lstStyle>
           <a:p>
             <a:r>
-              <a:rPr lang="en-US"/>
+              <a:rPr lang="en-US" smtClean="0"/>
               <a:t>Click to edit Master title style</a:t>
             </a:r>
+            <a:endParaRPr lang="en-US"/>
           </a:p>
         </p:txBody>
       </p:sp>
@@ -2580,7 +2484,7 @@
           <a:p>
             <a:pPr lvl="0"/>
             <a:r>
-              <a:rPr lang="en-US"/>
+              <a:rPr lang="en-US" smtClean="0"/>
               <a:t>Click to edit Master text styles</a:t>
             </a:r>
           </a:p>
@@ -2603,7 +2507,7 @@
           <a:p>
             <a:fld id="{5BCAD085-E8A6-8845-BD4E-CB4CCA059FC4}" type="datetimeFigureOut">
               <a:rPr lang="en-US" smtClean="0"/>
-              <a:t>1/22/2025</a:t>
+              <a:t>1/27/13</a:t>
             </a:fld>
             <a:endParaRPr lang="en-US"/>
           </a:p>
@@ -2712,9 +2616,10 @@
           <a:lstStyle/>
           <a:p>
             <a:r>
-              <a:rPr lang="en-US"/>
+              <a:rPr lang="en-US" smtClean="0"/>
               <a:t>Click to edit Master title style</a:t>
             </a:r>
+            <a:endParaRPr lang="en-US"/>
           </a:p>
         </p:txBody>
       </p:sp>
@@ -2745,37 +2650,38 @@
           <a:p>
             <a:pPr lvl="0"/>
             <a:r>
-              <a:rPr lang="en-US"/>
+              <a:rPr lang="en-US" smtClean="0"/>
               <a:t>Click to edit Master text styles</a:t>
             </a:r>
           </a:p>
           <a:p>
             <a:pPr lvl="1"/>
             <a:r>
-              <a:rPr lang="en-US"/>
+              <a:rPr lang="en-US" smtClean="0"/>
               <a:t>Second level</a:t>
             </a:r>
           </a:p>
           <a:p>
             <a:pPr lvl="2"/>
             <a:r>
-              <a:rPr lang="en-US"/>
+              <a:rPr lang="en-US" smtClean="0"/>
               <a:t>Third level</a:t>
             </a:r>
           </a:p>
           <a:p>
             <a:pPr lvl="3"/>
             <a:r>
-              <a:rPr lang="en-US"/>
+              <a:rPr lang="en-US" smtClean="0"/>
               <a:t>Fourth level</a:t>
             </a:r>
           </a:p>
           <a:p>
             <a:pPr lvl="4"/>
             <a:r>
-              <a:rPr lang="en-US"/>
+              <a:rPr lang="en-US" smtClean="0"/>
               <a:t>Fifth level</a:t>
             </a:r>
+            <a:endParaRPr lang="en-US"/>
           </a:p>
         </p:txBody>
       </p:sp>
@@ -2814,7 +2720,7 @@
           <a:p>
             <a:fld id="{5BCAD085-E8A6-8845-BD4E-CB4CCA059FC4}" type="datetimeFigureOut">
               <a:rPr lang="en-US" smtClean="0"/>
-              <a:t>1/22/2025</a:t>
+              <a:t>1/27/13</a:t>
             </a:fld>
             <a:endParaRPr lang="en-US"/>
           </a:p>
@@ -3173,223 +3079,15 @@
 </file>
 
 <file path=ppt/slides/slide1.xml><?xml version="1.0" encoding="utf-8"?>
-<p:sld xmlns:a="http://schemas.openxmlformats.org/drawingml/2006/main" xmlns:r="http://schemas.openxmlformats.org/officeDocument/2006/relationships" xmlns:p="http://schemas.openxmlformats.org/presentationml/2006/main">
+<p:sld xmlns:a="http://schemas.openxmlformats.org/drawingml/2006/main" xmlns:p="http://schemas.openxmlformats.org/presentationml/2006/main" xmlns:r="http://schemas.openxmlformats.org/officeDocument/2006/relationships">
   <p:cSld>
-    <p:bg>
-      <p:bgPr>
-        <a:solidFill>
-          <a:schemeClr val="bg1"/>
-        </a:solidFill>
-        <a:effectLst/>
-      </p:bgPr>
-    </p:bg>
     <p:spTree>
       <p:nvGrpSpPr>
         <p:cNvPr id="1" name=""/>
         <p:cNvGrpSpPr/>
         <p:nvPr/>
       </p:nvGrpSpPr>
-      <p:grpSpPr>
-        <a:xfrm>
-          <a:off x="0" y="0"/>
-          <a:ext cx="0" cy="0"/>
-          <a:chOff x="0" y="0"/>
-          <a:chExt cx="0" cy="0"/>
-        </a:xfrm>
-      </p:grpSpPr>
-      <p:sp useBgFill="1">
-        <p:nvSpPr>
-          <p:cNvPr id="19" name="Rectangle 18">
-            <a:extLst>
-              <a:ext uri="{FF2B5EF4-FFF2-40B4-BE49-F238E27FC236}">
-                <a16:creationId xmlns:a16="http://schemas.microsoft.com/office/drawing/2014/main" id="{4522B21E-B2B9-4C72-9A71-C87EFD137480}"/>
-              </a:ext>
-              <a:ext uri="{C183D7F6-B498-43B3-948B-1728B52AA6E4}">
-                <adec:decorative xmlns:adec="http://schemas.microsoft.com/office/drawing/2017/decorative" val="1"/>
-              </a:ext>
-            </a:extLst>
-          </p:cNvPr>
-          <p:cNvSpPr>
-            <a:spLocks noGrp="1" noRot="1" noChangeAspect="1" noMove="1" noResize="1" noEditPoints="1" noAdjustHandles="1" noChangeArrowheads="1" noChangeShapeType="1" noTextEdit="1"/>
-          </p:cNvSpPr>
-          <p:nvPr>
-            <p:extLst>
-              <p:ext uri="{386F3935-93C4-4BCD-93E2-E3B085C9AB24}">
-                <p16:designElem xmlns:p16="http://schemas.microsoft.com/office/powerpoint/2015/main" val="1"/>
-              </p:ext>
-            </p:extLst>
-          </p:nvPr>
-        </p:nvSpPr>
-        <p:spPr>
-          <a:xfrm>
-            <a:off x="0" y="0"/>
-            <a:ext cx="9143999" cy="6857365"/>
-          </a:xfrm>
-          <a:prstGeom prst="rect">
-            <a:avLst/>
-          </a:prstGeom>
-          <a:ln>
-            <a:noFill/>
-          </a:ln>
-        </p:spPr>
-        <p:style>
-          <a:lnRef idx="2">
-            <a:schemeClr val="accent1">
-              <a:shade val="50000"/>
-            </a:schemeClr>
-          </a:lnRef>
-          <a:fillRef idx="1">
-            <a:schemeClr val="accent1"/>
-          </a:fillRef>
-          <a:effectRef idx="0">
-            <a:schemeClr val="accent1"/>
-          </a:effectRef>
-          <a:fontRef idx="minor">
-            <a:schemeClr val="lt1"/>
-          </a:fontRef>
-        </p:style>
-        <p:txBody>
-          <a:bodyPr rtlCol="0" anchor="ctr"/>
-          <a:lstStyle/>
-          <a:p>
-            <a:pPr algn="ctr"/>
-            <a:endParaRPr lang="en-US"/>
-          </a:p>
-        </p:txBody>
-      </p:sp>
-      <p:sp>
-        <p:nvSpPr>
-          <p:cNvPr id="21" name="Rectangle 20">
-            <a:extLst>
-              <a:ext uri="{FF2B5EF4-FFF2-40B4-BE49-F238E27FC236}">
-                <a16:creationId xmlns:a16="http://schemas.microsoft.com/office/drawing/2014/main" id="{5EB7D2A2-F448-44D4-938C-DC84CBCB3B1E}"/>
-              </a:ext>
-              <a:ext uri="{C183D7F6-B498-43B3-948B-1728B52AA6E4}">
-                <adec:decorative xmlns:adec="http://schemas.microsoft.com/office/drawing/2017/decorative" val="1"/>
-              </a:ext>
-            </a:extLst>
-          </p:cNvPr>
-          <p:cNvSpPr>
-            <a:spLocks noGrp="1" noRot="1" noChangeAspect="1" noMove="1" noResize="1" noEditPoints="1" noAdjustHandles="1" noChangeArrowheads="1" noChangeShapeType="1" noTextEdit="1"/>
-          </p:cNvSpPr>
-          <p:nvPr>
-            <p:extLst>
-              <p:ext uri="{386F3935-93C4-4BCD-93E2-E3B085C9AB24}">
-                <p16:designElem xmlns:p16="http://schemas.microsoft.com/office/powerpoint/2015/main" val="1"/>
-              </p:ext>
-            </p:extLst>
-          </p:nvPr>
-        </p:nvSpPr>
-        <p:spPr>
-          <a:xfrm>
-            <a:off x="0" y="2"/>
-            <a:ext cx="9144000" cy="4412583"/>
-          </a:xfrm>
-          <a:prstGeom prst="rect">
-            <a:avLst/>
-          </a:prstGeom>
-          <a:solidFill>
-            <a:schemeClr val="accent4"/>
-          </a:solidFill>
-          <a:ln>
-            <a:noFill/>
-          </a:ln>
-        </p:spPr>
-        <p:style>
-          <a:lnRef idx="2">
-            <a:schemeClr val="accent1">
-              <a:shade val="50000"/>
-            </a:schemeClr>
-          </a:lnRef>
-          <a:fillRef idx="1">
-            <a:schemeClr val="accent1"/>
-          </a:fillRef>
-          <a:effectRef idx="0">
-            <a:schemeClr val="accent1"/>
-          </a:effectRef>
-          <a:fontRef idx="minor">
-            <a:schemeClr val="lt1"/>
-          </a:fontRef>
-        </p:style>
-        <p:txBody>
-          <a:bodyPr rtlCol="0" anchor="ctr"/>
-          <a:lstStyle/>
-          <a:p>
-            <a:pPr algn="ctr"/>
-            <a:endParaRPr lang="en-US" dirty="0"/>
-          </a:p>
-        </p:txBody>
-      </p:sp>
-      <p:sp>
-        <p:nvSpPr>
-          <p:cNvPr id="23" name="Rectangle 22">
-            <a:extLst>
-              <a:ext uri="{FF2B5EF4-FFF2-40B4-BE49-F238E27FC236}">
-                <a16:creationId xmlns:a16="http://schemas.microsoft.com/office/drawing/2014/main" id="{871AEA07-1E14-44B4-8E55-64EF049CD66F}"/>
-              </a:ext>
-              <a:ext uri="{C183D7F6-B498-43B3-948B-1728B52AA6E4}">
-                <adec:decorative xmlns:adec="http://schemas.microsoft.com/office/drawing/2017/decorative" val="1"/>
-              </a:ext>
-            </a:extLst>
-          </p:cNvPr>
-          <p:cNvSpPr>
-            <a:spLocks noGrp="1" noRot="1" noChangeAspect="1" noMove="1" noResize="1" noEditPoints="1" noAdjustHandles="1" noChangeArrowheads="1" noChangeShapeType="1" noTextEdit="1"/>
-          </p:cNvSpPr>
-          <p:nvPr>
-            <p:extLst>
-              <p:ext uri="{386F3935-93C4-4BCD-93E2-E3B085C9AB24}">
-                <p16:designElem xmlns:p16="http://schemas.microsoft.com/office/powerpoint/2015/main" val="1"/>
-              </p:ext>
-            </p:extLst>
-          </p:nvPr>
-        </p:nvSpPr>
-        <p:spPr>
-          <a:xfrm>
-            <a:off x="447348" y="551962"/>
-            <a:ext cx="8249304" cy="4618549"/>
-          </a:xfrm>
-          <a:prstGeom prst="rect">
-            <a:avLst/>
-          </a:prstGeom>
-          <a:solidFill>
-            <a:schemeClr val="bg1"/>
-          </a:solidFill>
-          <a:ln>
-            <a:noFill/>
-          </a:ln>
-          <a:effectLst>
-            <a:outerShdw blurRad="139700" dist="127000" dir="5400000" algn="t" rotWithShape="0">
-              <a:prstClr val="black">
-                <a:alpha val="15000"/>
-              </a:prstClr>
-            </a:outerShdw>
-          </a:effectLst>
-        </p:spPr>
-        <p:style>
-          <a:lnRef idx="2">
-            <a:schemeClr val="accent1">
-              <a:shade val="50000"/>
-            </a:schemeClr>
-          </a:lnRef>
-          <a:fillRef idx="1">
-            <a:schemeClr val="accent1"/>
-          </a:fillRef>
-          <a:effectRef idx="0">
-            <a:schemeClr val="accent1"/>
-          </a:effectRef>
-          <a:fontRef idx="minor">
-            <a:schemeClr val="lt1"/>
-          </a:fontRef>
-        </p:style>
-        <p:txBody>
-          <a:bodyPr rtlCol="0" anchor="ctr"/>
-          <a:lstStyle/>
-          <a:p>
-            <a:pPr algn="ctr"/>
-            <a:endParaRPr lang="en-US"/>
-          </a:p>
-        </p:txBody>
-      </p:sp>
+      <p:grpSpPr/>
       <p:sp>
         <p:nvSpPr>
           <p:cNvPr id="2" name="Title 1"/>
@@ -3397,1926 +3095,17 @@
             <a:spLocks noGrp="1"/>
           </p:cNvSpPr>
           <p:nvPr>
-            <p:ph type="ctrTitle"/>
-          </p:nvPr>
-        </p:nvSpPr>
-        <p:spPr>
-          <a:xfrm>
-            <a:off x="1143000" y="1293338"/>
-            <a:ext cx="6858000" cy="3274592"/>
-          </a:xfrm>
-        </p:spPr>
-        <p:txBody>
-          <a:bodyPr anchor="ctr">
-            <a:normAutofit/>
-          </a:bodyPr>
-          <a:lstStyle/>
-          <a:p>
-            <a:r>
-              <a:rPr lang="en-US" sz="6300"/>
-              <a:t>Are You Smarter Than a 5th Grader in Stocks?</a:t>
-            </a:r>
-          </a:p>
-        </p:txBody>
-      </p:sp>
-      <p:sp>
-        <p:nvSpPr>
-          <p:cNvPr id="3" name="Subtitle 2"/>
-          <p:cNvSpPr>
-            <a:spLocks noGrp="1"/>
-          </p:cNvSpPr>
-          <p:nvPr>
-            <p:ph type="subTitle" idx="1"/>
-          </p:nvPr>
-        </p:nvSpPr>
-        <p:spPr>
-          <a:xfrm>
-            <a:off x="1143000" y="5514052"/>
-            <a:ext cx="6858000" cy="651910"/>
-          </a:xfrm>
-        </p:spPr>
-        <p:txBody>
-          <a:bodyPr anchor="ctr">
-            <a:normAutofit/>
-          </a:bodyPr>
-          <a:lstStyle/>
-          <a:p>
-            <a:pPr>
-              <a:lnSpc>
-                <a:spcPct val="90000"/>
-              </a:lnSpc>
-            </a:pPr>
-            <a:r>
-              <a:rPr lang="en-US" sz="2500"/>
-              <a:t>Analyzing Knowledge of Stocks During COVID-19</a:t>
-            </a:r>
-          </a:p>
-        </p:txBody>
-      </p:sp>
-      <p:cxnSp>
-        <p:nvCxnSpPr>
-          <p:cNvPr id="25" name="Straight Connector 24">
-            <a:extLst>
-              <a:ext uri="{FF2B5EF4-FFF2-40B4-BE49-F238E27FC236}">
-                <a16:creationId xmlns:a16="http://schemas.microsoft.com/office/drawing/2014/main" id="{F7C8EA93-3210-4C62-99E9-153C275E3A87}"/>
-              </a:ext>
-              <a:ext uri="{C183D7F6-B498-43B3-948B-1728B52AA6E4}">
-                <adec:decorative xmlns:adec="http://schemas.microsoft.com/office/drawing/2017/decorative" val="1"/>
-              </a:ext>
-            </a:extLst>
-          </p:cNvPr>
-          <p:cNvCxnSpPr>
-            <a:cxnSpLocks noGrp="1" noRot="1" noChangeAspect="1" noMove="1" noResize="1" noEditPoints="1" noAdjustHandles="1" noChangeArrowheads="1" noChangeShapeType="1"/>
-          </p:cNvCxnSpPr>
-          <p:nvPr>
-            <p:extLst>
-              <p:ext uri="{386F3935-93C4-4BCD-93E2-E3B085C9AB24}">
-                <p16:designElem xmlns:p16="http://schemas.microsoft.com/office/powerpoint/2015/main" val="1"/>
-              </p:ext>
-            </p:extLst>
-          </p:nvPr>
-        </p:nvCxnSpPr>
-        <p:spPr>
-          <a:xfrm flipH="1">
-            <a:off x="447348" y="6354708"/>
-            <a:ext cx="8250174" cy="0"/>
-          </a:xfrm>
-          <a:prstGeom prst="line">
-            <a:avLst/>
-          </a:prstGeom>
-          <a:ln w="101600">
-            <a:solidFill>
-              <a:schemeClr val="accent4"/>
-            </a:solidFill>
-          </a:ln>
-        </p:spPr>
-        <p:style>
-          <a:lnRef idx="1">
-            <a:schemeClr val="accent1"/>
-          </a:lnRef>
-          <a:fillRef idx="0">
-            <a:schemeClr val="accent1"/>
-          </a:fillRef>
-          <a:effectRef idx="0">
-            <a:schemeClr val="accent1"/>
-          </a:effectRef>
-          <a:fontRef idx="minor">
-            <a:schemeClr val="tx1"/>
-          </a:fontRef>
-        </p:style>
-      </p:cxnSp>
-    </p:spTree>
-  </p:cSld>
-  <p:clrMapOvr>
-    <a:masterClrMapping/>
-  </p:clrMapOvr>
-  <p:timing>
-    <p:tnLst>
-      <p:par>
-        <p:cTn id="1" dur="indefinite" restart="never" nodeType="tmRoot">
-          <p:childTnLst>
-            <p:seq concurrent="1" nextAc="seek">
-              <p:cTn id="2" dur="indefinite" nodeType="mainSeq">
-                <p:childTnLst>
-                  <p:par>
-                    <p:cTn id="3" fill="hold">
-                      <p:stCondLst>
-                        <p:cond delay="indefinite"/>
-                        <p:cond evt="onBegin" delay="0">
-                          <p:tn val="2"/>
-                        </p:cond>
-                      </p:stCondLst>
-                      <p:childTnLst>
-                        <p:par>
-                          <p:cTn id="4" fill="hold">
-                            <p:stCondLst>
-                              <p:cond delay="0"/>
-                            </p:stCondLst>
-                            <p:childTnLst>
-                              <p:par>
-                                <p:cTn id="5" presetID="10" presetClass="entr" presetSubtype="0" fill="hold" grpId="0" nodeType="withEffect">
-                                  <p:stCondLst>
-                                    <p:cond delay="500"/>
-                                  </p:stCondLst>
-                                  <p:iterate type="wd">
-                                    <p:tmPct val="15000"/>
-                                  </p:iterate>
-                                  <p:childTnLst>
-                                    <p:set>
-                                      <p:cBhvr>
-                                        <p:cTn id="6" dur="1" fill="hold">
-                                          <p:stCondLst>
-                                            <p:cond delay="0"/>
-                                          </p:stCondLst>
-                                        </p:cTn>
-                                        <p:tgtEl>
-                                          <p:spTgt spid="2"/>
-                                        </p:tgtEl>
-                                        <p:attrNameLst>
-                                          <p:attrName>style.visibility</p:attrName>
-                                        </p:attrNameLst>
-                                      </p:cBhvr>
-                                      <p:to>
-                                        <p:strVal val="visible"/>
-                                      </p:to>
-                                    </p:set>
-                                    <p:animEffect transition="in" filter="fade">
-                                      <p:cBhvr>
-                                        <p:cTn id="7" dur="1000"/>
-                                        <p:tgtEl>
-                                          <p:spTgt spid="2"/>
-                                        </p:tgtEl>
-                                      </p:cBhvr>
-                                    </p:animEffect>
-                                  </p:childTnLst>
-                                </p:cTn>
-                              </p:par>
-                              <p:par>
-                                <p:cTn id="8" presetID="10" presetClass="entr" presetSubtype="0" fill="hold" grpId="0" nodeType="withEffect">
-                                  <p:stCondLst>
-                                    <p:cond delay="1000"/>
-                                  </p:stCondLst>
-                                  <p:iterate type="wd">
-                                    <p:tmPct val="15000"/>
-                                  </p:iterate>
-                                  <p:childTnLst>
-                                    <p:set>
-                                      <p:cBhvr>
-                                        <p:cTn id="9" dur="1" fill="hold">
-                                          <p:stCondLst>
-                                            <p:cond delay="0"/>
-                                          </p:stCondLst>
-                                        </p:cTn>
-                                        <p:tgtEl>
-                                          <p:spTgt spid="3">
-                                            <p:txEl>
-                                              <p:pRg st="0" end="0"/>
-                                            </p:txEl>
-                                          </p:spTgt>
-                                        </p:tgtEl>
-                                        <p:attrNameLst>
-                                          <p:attrName>style.visibility</p:attrName>
-                                        </p:attrNameLst>
-                                      </p:cBhvr>
-                                      <p:to>
-                                        <p:strVal val="visible"/>
-                                      </p:to>
-                                    </p:set>
-                                    <p:animEffect transition="in" filter="fade">
-                                      <p:cBhvr>
-                                        <p:cTn id="10" dur="1000"/>
-                                        <p:tgtEl>
-                                          <p:spTgt spid="3">
-                                            <p:txEl>
-                                              <p:pRg st="0" end="0"/>
-                                            </p:txEl>
-                                          </p:spTgt>
-                                        </p:tgtEl>
-                                      </p:cBhvr>
-                                    </p:animEffect>
-                                  </p:childTnLst>
-                                </p:cTn>
-                              </p:par>
-                            </p:childTnLst>
-                          </p:cTn>
-                        </p:par>
-                      </p:childTnLst>
-                    </p:cTn>
-                  </p:par>
-                </p:childTnLst>
-              </p:cTn>
-              <p:prevCondLst>
-                <p:cond evt="onPrev" delay="0">
-                  <p:tgtEl>
-                    <p:sldTgt/>
-                  </p:tgtEl>
-                </p:cond>
-              </p:prevCondLst>
-              <p:nextCondLst>
-                <p:cond evt="onNext" delay="0">
-                  <p:tgtEl>
-                    <p:sldTgt/>
-                  </p:tgtEl>
-                </p:cond>
-              </p:nextCondLst>
-            </p:seq>
-          </p:childTnLst>
-        </p:cTn>
-      </p:par>
-    </p:tnLst>
-    <p:bldLst>
-      <p:bldP spid="2" grpId="0"/>
-      <p:bldP spid="3" grpId="0" build="p"/>
-    </p:bldLst>
-  </p:timing>
-</p:sld>
-</file>
-
-<file path=ppt/slides/slide2.xml><?xml version="1.0" encoding="utf-8"?>
-<p:sld xmlns:a="http://schemas.openxmlformats.org/drawingml/2006/main" xmlns:r="http://schemas.openxmlformats.org/officeDocument/2006/relationships" xmlns:p="http://schemas.openxmlformats.org/presentationml/2006/main">
-  <p:cSld>
-    <p:bg>
-      <p:bgPr>
-        <a:solidFill>
-          <a:schemeClr val="bg1"/>
-        </a:solidFill>
-        <a:effectLst/>
-      </p:bgPr>
-    </p:bg>
-    <p:spTree>
-      <p:nvGrpSpPr>
-        <p:cNvPr id="1" name=""/>
-        <p:cNvGrpSpPr/>
-        <p:nvPr/>
-      </p:nvGrpSpPr>
-      <p:grpSpPr>
-        <a:xfrm>
-          <a:off x="0" y="0"/>
-          <a:ext cx="0" cy="0"/>
-          <a:chOff x="0" y="0"/>
-          <a:chExt cx="0" cy="0"/>
-        </a:xfrm>
-      </p:grpSpPr>
-      <p:sp useBgFill="1">
-        <p:nvSpPr>
-          <p:cNvPr id="8" name="Rectangle 7">
-            <a:extLst>
-              <a:ext uri="{FF2B5EF4-FFF2-40B4-BE49-F238E27FC236}">
-                <a16:creationId xmlns:a16="http://schemas.microsoft.com/office/drawing/2014/main" id="{DBF61EA3-B236-439E-9C0B-340980D56BEE}"/>
-              </a:ext>
-              <a:ext uri="{C183D7F6-B498-43B3-948B-1728B52AA6E4}">
-                <adec:decorative xmlns:adec="http://schemas.microsoft.com/office/drawing/2017/decorative" val="1"/>
-              </a:ext>
-            </a:extLst>
-          </p:cNvPr>
-          <p:cNvSpPr>
-            <a:spLocks noGrp="1" noRot="1" noChangeAspect="1" noMove="1" noResize="1" noEditPoints="1" noAdjustHandles="1" noChangeArrowheads="1" noChangeShapeType="1" noTextEdit="1"/>
-          </p:cNvSpPr>
-          <p:nvPr>
-            <p:extLst>
-              <p:ext uri="{386F3935-93C4-4BCD-93E2-E3B085C9AB24}">
-                <p16:designElem xmlns:p16="http://schemas.microsoft.com/office/powerpoint/2015/main" val="1"/>
-              </p:ext>
-            </p:extLst>
-          </p:nvPr>
-        </p:nvSpPr>
-        <p:spPr>
-          <a:xfrm>
-            <a:off x="0" y="0"/>
-            <a:ext cx="9143999" cy="6857365"/>
-          </a:xfrm>
-          <a:prstGeom prst="rect">
-            <a:avLst/>
-          </a:prstGeom>
-          <a:ln>
-            <a:noFill/>
-          </a:ln>
-        </p:spPr>
-        <p:style>
-          <a:lnRef idx="2">
-            <a:schemeClr val="accent1">
-              <a:shade val="50000"/>
-            </a:schemeClr>
-          </a:lnRef>
-          <a:fillRef idx="1">
-            <a:schemeClr val="accent1"/>
-          </a:fillRef>
-          <a:effectRef idx="0">
-            <a:schemeClr val="accent1"/>
-          </a:effectRef>
-          <a:fontRef idx="minor">
-            <a:schemeClr val="lt1"/>
-          </a:fontRef>
-        </p:style>
-        <p:txBody>
-          <a:bodyPr rtlCol="0" anchor="ctr"/>
-          <a:lstStyle/>
-          <a:p>
-            <a:pPr algn="ctr"/>
-            <a:endParaRPr lang="en-US"/>
-          </a:p>
-        </p:txBody>
-      </p:sp>
-      <p:sp>
-        <p:nvSpPr>
-          <p:cNvPr id="2" name="Title 1"/>
-          <p:cNvSpPr>
-            <a:spLocks noGrp="1"/>
-          </p:cNvSpPr>
-          <p:nvPr>
             <p:ph type="title"/>
           </p:nvPr>
         </p:nvSpPr>
-        <p:spPr>
-          <a:xfrm>
-            <a:off x="606478" y="386930"/>
-            <a:ext cx="6927525" cy="1188950"/>
-          </a:xfrm>
-        </p:spPr>
-        <p:txBody>
-          <a:bodyPr anchor="b">
-            <a:normAutofit/>
-          </a:bodyPr>
-          <a:lstStyle/>
-          <a:p>
-            <a:r>
-              <a:rPr lang="en-US" sz="4700"/>
-              <a:t>Introduction</a:t>
-            </a:r>
-          </a:p>
-        </p:txBody>
-      </p:sp>
-      <p:grpSp>
-        <p:nvGrpSpPr>
-          <p:cNvPr id="10" name="Group 9">
-            <a:extLst>
-              <a:ext uri="{FF2B5EF4-FFF2-40B4-BE49-F238E27FC236}">
-                <a16:creationId xmlns:a16="http://schemas.microsoft.com/office/drawing/2014/main" id="{28FAF094-D087-493F-8DF9-A486C2D6BBAA}"/>
-              </a:ext>
-              <a:ext uri="{C183D7F6-B498-43B3-948B-1728B52AA6E4}">
-                <adec:decorative xmlns:adec="http://schemas.microsoft.com/office/drawing/2017/decorative" val="1"/>
-              </a:ext>
-            </a:extLst>
-          </p:cNvPr>
-          <p:cNvGrpSpPr>
-            <a:grpSpLocks noGrp="1" noUngrp="1" noRot="1" noChangeAspect="1" noMove="1" noResize="1"/>
-          </p:cNvGrpSpPr>
-          <p:nvPr>
-            <p:extLst>
-              <p:ext uri="{386F3935-93C4-4BCD-93E2-E3B085C9AB24}">
-                <p16:designElem xmlns:p16="http://schemas.microsoft.com/office/powerpoint/2015/main" val="1"/>
-              </p:ext>
-            </p:extLst>
-          </p:nvPr>
-        </p:nvGrpSpPr>
-        <p:grpSpPr>
-          <a:xfrm>
-            <a:off x="-1" y="1998368"/>
-            <a:ext cx="8771274" cy="782176"/>
-            <a:chOff x="-2" y="1998368"/>
-            <a:chExt cx="11695083" cy="782176"/>
-          </a:xfrm>
-        </p:grpSpPr>
-        <p:sp>
-          <p:nvSpPr>
-            <p:cNvPr id="11" name="Rectangle 10">
-              <a:extLst>
-                <a:ext uri="{FF2B5EF4-FFF2-40B4-BE49-F238E27FC236}">
-                  <a16:creationId xmlns:a16="http://schemas.microsoft.com/office/drawing/2014/main" id="{8D7C88D8-5509-4514-925A-9CE148E5CBD6}"/>
-                </a:ext>
-                <a:ext uri="{C183D7F6-B498-43B3-948B-1728B52AA6E4}">
-                  <adec:decorative xmlns:adec="http://schemas.microsoft.com/office/drawing/2017/decorative" val="1"/>
-                </a:ext>
-              </a:extLst>
-            </p:cNvPr>
-            <p:cNvSpPr/>
-            <p:nvPr>
-              <p:extLst>
-                <p:ext uri="{386F3935-93C4-4BCD-93E2-E3B085C9AB24}">
-                  <p16:designElem xmlns:p16="http://schemas.microsoft.com/office/powerpoint/2015/main" val="1"/>
-                </p:ext>
-              </p:extLst>
-            </p:nvPr>
-          </p:nvSpPr>
-          <p:spPr>
-            <a:xfrm rot="5400000">
-              <a:off x="11228040" y="2313027"/>
-              <a:ext cx="781700" cy="152382"/>
-            </a:xfrm>
-            <a:prstGeom prst="rect">
-              <a:avLst/>
-            </a:prstGeom>
-            <a:solidFill>
-              <a:schemeClr val="accent4"/>
-            </a:solidFill>
-            <a:ln>
-              <a:noFill/>
-            </a:ln>
-          </p:spPr>
-          <p:style>
-            <a:lnRef idx="2">
-              <a:schemeClr val="accent1">
-                <a:shade val="50000"/>
-              </a:schemeClr>
-            </a:lnRef>
-            <a:fillRef idx="1">
-              <a:schemeClr val="accent1"/>
-            </a:fillRef>
-            <a:effectRef idx="0">
-              <a:schemeClr val="accent1"/>
-            </a:effectRef>
-            <a:fontRef idx="minor">
-              <a:schemeClr val="lt1"/>
-            </a:fontRef>
-          </p:style>
-          <p:txBody>
-            <a:bodyPr rtlCol="0" anchor="ctr"/>
-            <a:lstStyle/>
-            <a:p>
-              <a:pPr algn="ctr"/>
-              <a:endParaRPr lang="en-US"/>
-            </a:p>
-          </p:txBody>
-        </p:sp>
-        <p:sp>
-          <p:nvSpPr>
-            <p:cNvPr id="12" name="Rectangle 11">
-              <a:extLst>
-                <a:ext uri="{FF2B5EF4-FFF2-40B4-BE49-F238E27FC236}">
-                  <a16:creationId xmlns:a16="http://schemas.microsoft.com/office/drawing/2014/main" id="{7275593D-F75E-4426-AE3E-2CDEFD228D25}"/>
-                </a:ext>
-                <a:ext uri="{C183D7F6-B498-43B3-948B-1728B52AA6E4}">
-                  <adec:decorative xmlns:adec="http://schemas.microsoft.com/office/drawing/2017/decorative" val="1"/>
-                </a:ext>
-              </a:extLst>
-            </p:cNvPr>
-            <p:cNvSpPr/>
-            <p:nvPr>
-              <p:extLst>
-                <p:ext uri="{386F3935-93C4-4BCD-93E2-E3B085C9AB24}">
-                  <p16:designElem xmlns:p16="http://schemas.microsoft.com/office/powerpoint/2015/main" val="1"/>
-                </p:ext>
-              </p:extLst>
-            </p:nvPr>
-          </p:nvSpPr>
-          <p:spPr>
-            <a:xfrm flipH="1" flipV="1">
-              <a:off x="-2" y="1998845"/>
-              <a:ext cx="11454595" cy="781699"/>
-            </a:xfrm>
-            <a:prstGeom prst="rect">
-              <a:avLst/>
-            </a:prstGeom>
-            <a:solidFill>
-              <a:schemeClr val="accent4"/>
-            </a:solidFill>
-            <a:ln>
-              <a:noFill/>
-            </a:ln>
-          </p:spPr>
-          <p:style>
-            <a:lnRef idx="2">
-              <a:schemeClr val="accent1">
-                <a:shade val="50000"/>
-              </a:schemeClr>
-            </a:lnRef>
-            <a:fillRef idx="1">
-              <a:schemeClr val="accent1"/>
-            </a:fillRef>
-            <a:effectRef idx="0">
-              <a:schemeClr val="accent1"/>
-            </a:effectRef>
-            <a:fontRef idx="minor">
-              <a:schemeClr val="lt1"/>
-            </a:fontRef>
-          </p:style>
-          <p:txBody>
-            <a:bodyPr rtlCol="0" anchor="ctr"/>
-            <a:lstStyle/>
-            <a:p>
-              <a:pPr algn="ctr"/>
-              <a:endParaRPr lang="en-US"/>
-            </a:p>
-          </p:txBody>
-        </p:sp>
-      </p:grpSp>
-      <p:sp>
-        <p:nvSpPr>
-          <p:cNvPr id="14" name="Rectangle 13">
-            <a:extLst>
-              <a:ext uri="{FF2B5EF4-FFF2-40B4-BE49-F238E27FC236}">
-                <a16:creationId xmlns:a16="http://schemas.microsoft.com/office/drawing/2014/main" id="{E659831F-0D9A-4C63-9EBB-8435B85A440F}"/>
-              </a:ext>
-              <a:ext uri="{C183D7F6-B498-43B3-948B-1728B52AA6E4}">
-                <adec:decorative xmlns:adec="http://schemas.microsoft.com/office/drawing/2017/decorative" val="1"/>
-              </a:ext>
-            </a:extLst>
-          </p:cNvPr>
-          <p:cNvSpPr>
-            <a:spLocks noGrp="1" noRot="1" noChangeAspect="1" noMove="1" noResize="1" noEditPoints="1" noAdjustHandles="1" noChangeArrowheads="1" noChangeShapeType="1" noTextEdit="1"/>
-          </p:cNvSpPr>
-          <p:nvPr>
-            <p:extLst>
-              <p:ext uri="{386F3935-93C4-4BCD-93E2-E3B085C9AB24}">
-                <p16:designElem xmlns:p16="http://schemas.microsoft.com/office/powerpoint/2015/main" val="1"/>
-              </p:ext>
-            </p:extLst>
-          </p:nvPr>
-        </p:nvSpPr>
-        <p:spPr>
-          <a:xfrm>
-            <a:off x="0" y="2203079"/>
-            <a:ext cx="8537521" cy="4147845"/>
-          </a:xfrm>
-          <a:prstGeom prst="rect">
-            <a:avLst/>
-          </a:prstGeom>
-          <a:solidFill>
-            <a:schemeClr val="bg1"/>
-          </a:solidFill>
-          <a:ln>
-            <a:noFill/>
-          </a:ln>
-          <a:effectLst>
-            <a:outerShdw blurRad="139700" dist="127000" dir="5400000" algn="t" rotWithShape="0">
-              <a:prstClr val="black">
-                <a:alpha val="15000"/>
-              </a:prstClr>
-            </a:outerShdw>
-          </a:effectLst>
-        </p:spPr>
-        <p:style>
-          <a:lnRef idx="2">
-            <a:schemeClr val="accent1">
-              <a:shade val="50000"/>
-            </a:schemeClr>
-          </a:lnRef>
-          <a:fillRef idx="1">
-            <a:schemeClr val="accent1"/>
-          </a:fillRef>
-          <a:effectRef idx="0">
-            <a:schemeClr val="accent1"/>
-          </a:effectRef>
-          <a:fontRef idx="minor">
-            <a:schemeClr val="lt1"/>
-          </a:fontRef>
-        </p:style>
-        <p:txBody>
-          <a:bodyPr rtlCol="0" anchor="ctr"/>
-          <a:lstStyle/>
-          <a:p>
-            <a:pPr algn="ctr"/>
-            <a:endParaRPr lang="en-US"/>
-          </a:p>
-        </p:txBody>
-      </p:sp>
-      <p:sp>
-        <p:nvSpPr>
-          <p:cNvPr id="3" name="Content Placeholder 2"/>
-          <p:cNvSpPr>
-            <a:spLocks noGrp="1"/>
-          </p:cNvSpPr>
-          <p:nvPr>
-            <p:ph idx="1"/>
-          </p:nvPr>
-        </p:nvSpPr>
-        <p:spPr>
-          <a:xfrm>
-            <a:off x="595245" y="2599509"/>
-            <a:ext cx="7607751" cy="3435531"/>
-          </a:xfrm>
-        </p:spPr>
-        <p:txBody>
-          <a:bodyPr anchor="ctr">
-            <a:normAutofit/>
-          </a:bodyPr>
-          <a:lstStyle/>
-          <a:p>
-            <a:r>
-              <a:rPr lang="en-US" sz="2100"/>
-              <a:t>This presentation explores the understanding of stocks during the COVID-19 outbreak among two groups: 5th graders and adults. The data highlights differences in knowledge and perception during this period.</a:t>
-            </a:r>
-          </a:p>
-        </p:txBody>
-      </p:sp>
-    </p:spTree>
-  </p:cSld>
-  <p:clrMapOvr>
-    <a:masterClrMapping/>
-  </p:clrMapOvr>
-</p:sld>
-</file>
-
-<file path=ppt/slides/slide3.xml><?xml version="1.0" encoding="utf-8"?>
-<p:sld xmlns:a="http://schemas.openxmlformats.org/drawingml/2006/main" xmlns:r="http://schemas.openxmlformats.org/officeDocument/2006/relationships" xmlns:p="http://schemas.openxmlformats.org/presentationml/2006/main">
-  <p:cSld>
-    <p:bg>
-      <p:bgPr>
-        <a:solidFill>
-          <a:schemeClr val="bg1"/>
-        </a:solidFill>
-        <a:effectLst/>
-      </p:bgPr>
-    </p:bg>
-    <p:spTree>
-      <p:nvGrpSpPr>
-        <p:cNvPr id="1" name=""/>
-        <p:cNvGrpSpPr/>
-        <p:nvPr/>
-      </p:nvGrpSpPr>
-      <p:grpSpPr>
-        <a:xfrm>
-          <a:off x="0" y="0"/>
-          <a:ext cx="0" cy="0"/>
-          <a:chOff x="0" y="0"/>
-          <a:chExt cx="0" cy="0"/>
-        </a:xfrm>
-      </p:grpSpPr>
-      <p:sp useBgFill="1">
-        <p:nvSpPr>
-          <p:cNvPr id="7" name="Rectangle 6">
-            <a:extLst>
-              <a:ext uri="{FF2B5EF4-FFF2-40B4-BE49-F238E27FC236}">
-                <a16:creationId xmlns:a16="http://schemas.microsoft.com/office/drawing/2014/main" id="{4522B21E-B2B9-4C72-9A71-C87EFD137480}"/>
-              </a:ext>
-              <a:ext uri="{C183D7F6-B498-43B3-948B-1728B52AA6E4}">
-                <adec:decorative xmlns:adec="http://schemas.microsoft.com/office/drawing/2017/decorative" val="1"/>
-              </a:ext>
-            </a:extLst>
-          </p:cNvPr>
-          <p:cNvSpPr>
-            <a:spLocks noGrp="1" noRot="1" noChangeAspect="1" noMove="1" noResize="1" noEditPoints="1" noAdjustHandles="1" noChangeArrowheads="1" noChangeShapeType="1" noTextEdit="1"/>
-          </p:cNvSpPr>
-          <p:nvPr>
-            <p:extLst>
-              <p:ext uri="{386F3935-93C4-4BCD-93E2-E3B085C9AB24}">
-                <p16:designElem xmlns:p16="http://schemas.microsoft.com/office/powerpoint/2015/main" val="1"/>
-              </p:ext>
-            </p:extLst>
-          </p:nvPr>
-        </p:nvSpPr>
-        <p:spPr>
-          <a:xfrm>
-            <a:off x="0" y="0"/>
-            <a:ext cx="9143999" cy="6857365"/>
-          </a:xfrm>
-          <a:prstGeom prst="rect">
-            <a:avLst/>
-          </a:prstGeom>
-          <a:ln>
-            <a:noFill/>
-          </a:ln>
-        </p:spPr>
-        <p:style>
-          <a:lnRef idx="2">
-            <a:schemeClr val="accent1">
-              <a:shade val="50000"/>
-            </a:schemeClr>
-          </a:lnRef>
-          <a:fillRef idx="1">
-            <a:schemeClr val="accent1"/>
-          </a:fillRef>
-          <a:effectRef idx="0">
-            <a:schemeClr val="accent1"/>
-          </a:effectRef>
-          <a:fontRef idx="minor">
-            <a:schemeClr val="lt1"/>
-          </a:fontRef>
-        </p:style>
-        <p:txBody>
-          <a:bodyPr rtlCol="0" anchor="ctr"/>
-          <a:lstStyle/>
-          <a:p>
-            <a:pPr algn="ctr"/>
-            <a:endParaRPr lang="en-US"/>
-          </a:p>
-        </p:txBody>
-      </p:sp>
-      <p:sp>
-        <p:nvSpPr>
-          <p:cNvPr id="9" name="Rectangle 8">
-            <a:extLst>
-              <a:ext uri="{FF2B5EF4-FFF2-40B4-BE49-F238E27FC236}">
-                <a16:creationId xmlns:a16="http://schemas.microsoft.com/office/drawing/2014/main" id="{5EB7D2A2-F448-44D4-938C-DC84CBCB3B1E}"/>
-              </a:ext>
-              <a:ext uri="{C183D7F6-B498-43B3-948B-1728B52AA6E4}">
-                <adec:decorative xmlns:adec="http://schemas.microsoft.com/office/drawing/2017/decorative" val="1"/>
-              </a:ext>
-            </a:extLst>
-          </p:cNvPr>
-          <p:cNvSpPr>
-            <a:spLocks noGrp="1" noRot="1" noChangeAspect="1" noMove="1" noResize="1" noEditPoints="1" noAdjustHandles="1" noChangeArrowheads="1" noChangeShapeType="1" noTextEdit="1"/>
-          </p:cNvSpPr>
-          <p:nvPr>
-            <p:extLst>
-              <p:ext uri="{386F3935-93C4-4BCD-93E2-E3B085C9AB24}">
-                <p16:designElem xmlns:p16="http://schemas.microsoft.com/office/powerpoint/2015/main" val="1"/>
-              </p:ext>
-            </p:extLst>
-          </p:nvPr>
-        </p:nvSpPr>
-        <p:spPr>
-          <a:xfrm>
-            <a:off x="0" y="2"/>
-            <a:ext cx="9144000" cy="4412583"/>
-          </a:xfrm>
-          <a:prstGeom prst="rect">
-            <a:avLst/>
-          </a:prstGeom>
-          <a:solidFill>
-            <a:schemeClr val="accent4"/>
-          </a:solidFill>
-          <a:ln>
-            <a:noFill/>
-          </a:ln>
-        </p:spPr>
-        <p:style>
-          <a:lnRef idx="2">
-            <a:schemeClr val="accent1">
-              <a:shade val="50000"/>
-            </a:schemeClr>
-          </a:lnRef>
-          <a:fillRef idx="1">
-            <a:schemeClr val="accent1"/>
-          </a:fillRef>
-          <a:effectRef idx="0">
-            <a:schemeClr val="accent1"/>
-          </a:effectRef>
-          <a:fontRef idx="minor">
-            <a:schemeClr val="lt1"/>
-          </a:fontRef>
-        </p:style>
-        <p:txBody>
-          <a:bodyPr rtlCol="0" anchor="ctr"/>
-          <a:lstStyle/>
-          <a:p>
-            <a:pPr algn="ctr"/>
-            <a:endParaRPr lang="en-US" dirty="0"/>
-          </a:p>
-        </p:txBody>
-      </p:sp>
-      <p:sp>
-        <p:nvSpPr>
-          <p:cNvPr id="11" name="Rectangle 10">
-            <a:extLst>
-              <a:ext uri="{FF2B5EF4-FFF2-40B4-BE49-F238E27FC236}">
-                <a16:creationId xmlns:a16="http://schemas.microsoft.com/office/drawing/2014/main" id="{871AEA07-1E14-44B4-8E55-64EF049CD66F}"/>
-              </a:ext>
-              <a:ext uri="{C183D7F6-B498-43B3-948B-1728B52AA6E4}">
-                <adec:decorative xmlns:adec="http://schemas.microsoft.com/office/drawing/2017/decorative" val="1"/>
-              </a:ext>
-            </a:extLst>
-          </p:cNvPr>
-          <p:cNvSpPr>
-            <a:spLocks noGrp="1" noRot="1" noChangeAspect="1" noMove="1" noResize="1" noEditPoints="1" noAdjustHandles="1" noChangeArrowheads="1" noChangeShapeType="1" noTextEdit="1"/>
-          </p:cNvSpPr>
-          <p:nvPr>
-            <p:extLst>
-              <p:ext uri="{386F3935-93C4-4BCD-93E2-E3B085C9AB24}">
-                <p16:designElem xmlns:p16="http://schemas.microsoft.com/office/powerpoint/2015/main" val="1"/>
-              </p:ext>
-            </p:extLst>
-          </p:nvPr>
-        </p:nvSpPr>
-        <p:spPr>
-          <a:xfrm>
-            <a:off x="447348" y="551962"/>
-            <a:ext cx="8249304" cy="4618549"/>
-          </a:xfrm>
-          <a:prstGeom prst="rect">
-            <a:avLst/>
-          </a:prstGeom>
-          <a:solidFill>
-            <a:schemeClr val="bg1"/>
-          </a:solidFill>
-          <a:ln>
-            <a:noFill/>
-          </a:ln>
-          <a:effectLst>
-            <a:outerShdw blurRad="139700" dist="127000" dir="5400000" algn="t" rotWithShape="0">
-              <a:prstClr val="black">
-                <a:alpha val="15000"/>
-              </a:prstClr>
-            </a:outerShdw>
-          </a:effectLst>
-        </p:spPr>
-        <p:style>
-          <a:lnRef idx="2">
-            <a:schemeClr val="accent1">
-              <a:shade val="50000"/>
-            </a:schemeClr>
-          </a:lnRef>
-          <a:fillRef idx="1">
-            <a:schemeClr val="accent1"/>
-          </a:fillRef>
-          <a:effectRef idx="0">
-            <a:schemeClr val="accent1"/>
-          </a:effectRef>
-          <a:fontRef idx="minor">
-            <a:schemeClr val="lt1"/>
-          </a:fontRef>
-        </p:style>
-        <p:txBody>
-          <a:bodyPr rtlCol="0" anchor="ctr"/>
-          <a:lstStyle/>
-          <a:p>
-            <a:pPr algn="ctr"/>
-            <a:endParaRPr lang="en-US"/>
-          </a:p>
-        </p:txBody>
-      </p:sp>
-      <p:sp>
-        <p:nvSpPr>
-          <p:cNvPr id="2" name="Title 1"/>
-          <p:cNvSpPr>
-            <a:spLocks noGrp="1"/>
-          </p:cNvSpPr>
-          <p:nvPr>
-            <p:ph type="title"/>
-          </p:nvPr>
-        </p:nvSpPr>
-        <p:spPr>
-          <a:xfrm>
-            <a:off x="1143000" y="1293338"/>
-            <a:ext cx="6858000" cy="3274592"/>
-          </a:xfrm>
-        </p:spPr>
-        <p:txBody>
-          <a:bodyPr vert="horz" lIns="91440" tIns="45720" rIns="91440" bIns="45720" rtlCol="0" anchor="ctr">
-            <a:normAutofit/>
-          </a:bodyPr>
-          <a:lstStyle/>
-          <a:p>
-            <a:pPr defTabSz="914400">
-              <a:lnSpc>
-                <a:spcPct val="90000"/>
-              </a:lnSpc>
-            </a:pPr>
-            <a:r>
-              <a:rPr lang="en-US" sz="3900" kern="1200" dirty="0">
-                <a:solidFill>
-                  <a:schemeClr val="tx1"/>
-                </a:solidFill>
-                <a:latin typeface="+mj-lt"/>
-                <a:ea typeface="+mj-ea"/>
-                <a:cs typeface="+mj-cs"/>
-              </a:rPr>
-              <a:t>Survey results showed that 65% of 5th graders could correctly answer questions about stock market basics during the COVID-19 pandemic.</a:t>
-            </a:r>
-          </a:p>
-        </p:txBody>
-      </p:sp>
-      <p:cxnSp>
-        <p:nvCxnSpPr>
-          <p:cNvPr id="13" name="Straight Connector 12">
-            <a:extLst>
-              <a:ext uri="{FF2B5EF4-FFF2-40B4-BE49-F238E27FC236}">
-                <a16:creationId xmlns:a16="http://schemas.microsoft.com/office/drawing/2014/main" id="{F7C8EA93-3210-4C62-99E9-153C275E3A87}"/>
-              </a:ext>
-              <a:ext uri="{C183D7F6-B498-43B3-948B-1728B52AA6E4}">
-                <adec:decorative xmlns:adec="http://schemas.microsoft.com/office/drawing/2017/decorative" val="1"/>
-              </a:ext>
-            </a:extLst>
-          </p:cNvPr>
-          <p:cNvCxnSpPr>
-            <a:cxnSpLocks noGrp="1" noRot="1" noChangeAspect="1" noMove="1" noResize="1" noEditPoints="1" noAdjustHandles="1" noChangeArrowheads="1" noChangeShapeType="1"/>
-          </p:cNvCxnSpPr>
-          <p:nvPr>
-            <p:extLst>
-              <p:ext uri="{386F3935-93C4-4BCD-93E2-E3B085C9AB24}">
-                <p16:designElem xmlns:p16="http://schemas.microsoft.com/office/powerpoint/2015/main" val="1"/>
-              </p:ext>
-            </p:extLst>
-          </p:nvPr>
-        </p:nvCxnSpPr>
-        <p:spPr>
-          <a:xfrm flipH="1">
-            <a:off x="447348" y="6354708"/>
-            <a:ext cx="8250174" cy="0"/>
-          </a:xfrm>
-          <a:prstGeom prst="line">
-            <a:avLst/>
-          </a:prstGeom>
-          <a:ln w="101600">
-            <a:solidFill>
-              <a:schemeClr val="accent4"/>
-            </a:solidFill>
-          </a:ln>
-        </p:spPr>
-        <p:style>
-          <a:lnRef idx="1">
-            <a:schemeClr val="accent1"/>
-          </a:lnRef>
-          <a:fillRef idx="0">
-            <a:schemeClr val="accent1"/>
-          </a:fillRef>
-          <a:effectRef idx="0">
-            <a:schemeClr val="accent1"/>
-          </a:effectRef>
-          <a:fontRef idx="minor">
-            <a:schemeClr val="tx1"/>
-          </a:fontRef>
-        </p:style>
-      </p:cxnSp>
-    </p:spTree>
-  </p:cSld>
-  <p:clrMapOvr>
-    <a:masterClrMapping/>
-  </p:clrMapOvr>
-  <p:timing>
-    <p:tnLst>
-      <p:par>
-        <p:cTn id="1" dur="indefinite" restart="never" nodeType="tmRoot">
-          <p:childTnLst>
-            <p:seq concurrent="1" nextAc="seek">
-              <p:cTn id="2" dur="indefinite" nodeType="mainSeq">
-                <p:childTnLst>
-                  <p:par>
-                    <p:cTn id="3" fill="hold">
-                      <p:stCondLst>
-                        <p:cond delay="indefinite"/>
-                        <p:cond evt="onBegin" delay="0">
-                          <p:tn val="2"/>
-                        </p:cond>
-                      </p:stCondLst>
-                      <p:childTnLst>
-                        <p:par>
-                          <p:cTn id="4" fill="hold">
-                            <p:stCondLst>
-                              <p:cond delay="0"/>
-                            </p:stCondLst>
-                            <p:childTnLst>
-                              <p:par>
-                                <p:cTn id="5" presetID="10" presetClass="entr" presetSubtype="0" fill="hold" grpId="0" nodeType="withEffect">
-                                  <p:stCondLst>
-                                    <p:cond delay="500"/>
-                                  </p:stCondLst>
-                                  <p:iterate type="wd">
-                                    <p:tmPct val="15000"/>
-                                  </p:iterate>
-                                  <p:childTnLst>
-                                    <p:set>
-                                      <p:cBhvr>
-                                        <p:cTn id="6" dur="1" fill="hold">
-                                          <p:stCondLst>
-                                            <p:cond delay="0"/>
-                                          </p:stCondLst>
-                                        </p:cTn>
-                                        <p:tgtEl>
-                                          <p:spTgt spid="2"/>
-                                        </p:tgtEl>
-                                        <p:attrNameLst>
-                                          <p:attrName>style.visibility</p:attrName>
-                                        </p:attrNameLst>
-                                      </p:cBhvr>
-                                      <p:to>
-                                        <p:strVal val="visible"/>
-                                      </p:to>
-                                    </p:set>
-                                    <p:animEffect transition="in" filter="fade">
-                                      <p:cBhvr>
-                                        <p:cTn id="7" dur="1000"/>
-                                        <p:tgtEl>
-                                          <p:spTgt spid="2"/>
-                                        </p:tgtEl>
-                                      </p:cBhvr>
-                                    </p:animEffect>
-                                  </p:childTnLst>
-                                </p:cTn>
-                              </p:par>
-                            </p:childTnLst>
-                          </p:cTn>
-                        </p:par>
-                      </p:childTnLst>
-                    </p:cTn>
-                  </p:par>
-                </p:childTnLst>
-              </p:cTn>
-              <p:prevCondLst>
-                <p:cond evt="onPrev" delay="0">
-                  <p:tgtEl>
-                    <p:sldTgt/>
-                  </p:tgtEl>
-                </p:cond>
-              </p:prevCondLst>
-              <p:nextCondLst>
-                <p:cond evt="onNext" delay="0">
-                  <p:tgtEl>
-                    <p:sldTgt/>
-                  </p:tgtEl>
-                </p:cond>
-              </p:nextCondLst>
-            </p:seq>
-          </p:childTnLst>
-        </p:cTn>
-      </p:par>
-    </p:tnLst>
-    <p:bldLst>
-      <p:bldP spid="2" grpId="0"/>
-    </p:bldLst>
-  </p:timing>
-</p:sld>
-</file>
-
-<file path=ppt/slides/slide4.xml><?xml version="1.0" encoding="utf-8"?>
-<p:sld xmlns:a="http://schemas.openxmlformats.org/drawingml/2006/main" xmlns:r="http://schemas.openxmlformats.org/officeDocument/2006/relationships" xmlns:p="http://schemas.openxmlformats.org/presentationml/2006/main">
-  <p:cSld>
-    <p:bg>
-      <p:bgPr>
-        <a:solidFill>
-          <a:schemeClr val="bg1"/>
-        </a:solidFill>
-        <a:effectLst/>
-      </p:bgPr>
-    </p:bg>
-    <p:spTree>
-      <p:nvGrpSpPr>
-        <p:cNvPr id="1" name=""/>
-        <p:cNvGrpSpPr/>
-        <p:nvPr/>
-      </p:nvGrpSpPr>
-      <p:grpSpPr>
-        <a:xfrm>
-          <a:off x="0" y="0"/>
-          <a:ext cx="0" cy="0"/>
-          <a:chOff x="0" y="0"/>
-          <a:chExt cx="0" cy="0"/>
-        </a:xfrm>
-      </p:grpSpPr>
-      <p:sp useBgFill="1">
-        <p:nvSpPr>
-          <p:cNvPr id="7" name="Rectangle 6">
-            <a:extLst>
-              <a:ext uri="{FF2B5EF4-FFF2-40B4-BE49-F238E27FC236}">
-                <a16:creationId xmlns:a16="http://schemas.microsoft.com/office/drawing/2014/main" id="{9C7E0A2C-7C0A-4AAC-B3B0-6C12B2EBAE05}"/>
-              </a:ext>
-              <a:ext uri="{C183D7F6-B498-43B3-948B-1728B52AA6E4}">
-                <adec:decorative xmlns:adec="http://schemas.microsoft.com/office/drawing/2017/decorative" val="1"/>
-              </a:ext>
-            </a:extLst>
-          </p:cNvPr>
-          <p:cNvSpPr>
-            <a:spLocks noGrp="1" noRot="1" noChangeAspect="1" noMove="1" noResize="1" noEditPoints="1" noAdjustHandles="1" noChangeArrowheads="1" noChangeShapeType="1" noTextEdit="1"/>
-          </p:cNvSpPr>
-          <p:nvPr>
-            <p:extLst>
-              <p:ext uri="{386F3935-93C4-4BCD-93E2-E3B085C9AB24}">
-                <p16:designElem xmlns:p16="http://schemas.microsoft.com/office/powerpoint/2015/main" val="1"/>
-              </p:ext>
-            </p:extLst>
-          </p:nvPr>
-        </p:nvSpPr>
-        <p:spPr>
-          <a:xfrm>
-            <a:off x="0" y="0"/>
-            <a:ext cx="9143999" cy="6857365"/>
-          </a:xfrm>
-          <a:prstGeom prst="rect">
-            <a:avLst/>
-          </a:prstGeom>
-          <a:ln>
-            <a:noFill/>
-          </a:ln>
-        </p:spPr>
-        <p:style>
-          <a:lnRef idx="2">
-            <a:schemeClr val="accent1">
-              <a:shade val="50000"/>
-            </a:schemeClr>
-          </a:lnRef>
-          <a:fillRef idx="1">
-            <a:schemeClr val="accent1"/>
-          </a:fillRef>
-          <a:effectRef idx="0">
-            <a:schemeClr val="accent1"/>
-          </a:effectRef>
-          <a:fontRef idx="minor">
-            <a:schemeClr val="lt1"/>
-          </a:fontRef>
-        </p:style>
-        <p:txBody>
-          <a:bodyPr rtlCol="0" anchor="ctr"/>
-          <a:lstStyle/>
-          <a:p>
-            <a:pPr algn="ctr"/>
-            <a:endParaRPr lang="en-US"/>
-          </a:p>
-        </p:txBody>
-      </p:sp>
-      <p:sp>
-        <p:nvSpPr>
-          <p:cNvPr id="9" name="Rectangle 8">
-            <a:extLst>
-              <a:ext uri="{FF2B5EF4-FFF2-40B4-BE49-F238E27FC236}">
-                <a16:creationId xmlns:a16="http://schemas.microsoft.com/office/drawing/2014/main" id="{5EB7D2A2-F448-44D4-938C-DC84CBCB3B1E}"/>
-              </a:ext>
-              <a:ext uri="{C183D7F6-B498-43B3-948B-1728B52AA6E4}">
-                <adec:decorative xmlns:adec="http://schemas.microsoft.com/office/drawing/2017/decorative" val="1"/>
-              </a:ext>
-            </a:extLst>
-          </p:cNvPr>
-          <p:cNvSpPr>
-            <a:spLocks noGrp="1" noRot="1" noChangeAspect="1" noMove="1" noResize="1" noEditPoints="1" noAdjustHandles="1" noChangeArrowheads="1" noChangeShapeType="1" noTextEdit="1"/>
-          </p:cNvSpPr>
-          <p:nvPr>
-            <p:extLst>
-              <p:ext uri="{386F3935-93C4-4BCD-93E2-E3B085C9AB24}">
-                <p16:designElem xmlns:p16="http://schemas.microsoft.com/office/powerpoint/2015/main" val="1"/>
-              </p:ext>
-            </p:extLst>
-          </p:nvPr>
-        </p:nvSpPr>
-        <p:spPr>
-          <a:xfrm>
-            <a:off x="0" y="1"/>
-            <a:ext cx="9144000" cy="5187142"/>
-          </a:xfrm>
-          <a:prstGeom prst="rect">
-            <a:avLst/>
-          </a:prstGeom>
-          <a:solidFill>
-            <a:schemeClr val="accent4"/>
-          </a:solidFill>
-          <a:ln>
-            <a:noFill/>
-          </a:ln>
-        </p:spPr>
-        <p:style>
-          <a:lnRef idx="2">
-            <a:schemeClr val="accent1">
-              <a:shade val="50000"/>
-            </a:schemeClr>
-          </a:lnRef>
-          <a:fillRef idx="1">
-            <a:schemeClr val="accent1"/>
-          </a:fillRef>
-          <a:effectRef idx="0">
-            <a:schemeClr val="accent1"/>
-          </a:effectRef>
-          <a:fontRef idx="minor">
-            <a:schemeClr val="lt1"/>
-          </a:fontRef>
-        </p:style>
-        <p:txBody>
-          <a:bodyPr rtlCol="0" anchor="ctr"/>
-          <a:lstStyle/>
-          <a:p>
-            <a:pPr algn="ctr"/>
-            <a:endParaRPr lang="en-US" dirty="0"/>
-          </a:p>
-        </p:txBody>
-      </p:sp>
-      <p:sp>
-        <p:nvSpPr>
-          <p:cNvPr id="11" name="Rectangle 10">
-            <a:extLst>
-              <a:ext uri="{FF2B5EF4-FFF2-40B4-BE49-F238E27FC236}">
-                <a16:creationId xmlns:a16="http://schemas.microsoft.com/office/drawing/2014/main" id="{871AEA07-1E14-44B4-8E55-64EF049CD66F}"/>
-              </a:ext>
-              <a:ext uri="{C183D7F6-B498-43B3-948B-1728B52AA6E4}">
-                <adec:decorative xmlns:adec="http://schemas.microsoft.com/office/drawing/2017/decorative" val="1"/>
-              </a:ext>
-            </a:extLst>
-          </p:cNvPr>
-          <p:cNvSpPr>
-            <a:spLocks noGrp="1" noRot="1" noChangeAspect="1" noMove="1" noResize="1" noEditPoints="1" noAdjustHandles="1" noChangeArrowheads="1" noChangeShapeType="1" noTextEdit="1"/>
-          </p:cNvSpPr>
-          <p:nvPr>
-            <p:extLst>
-              <p:ext uri="{386F3935-93C4-4BCD-93E2-E3B085C9AB24}">
-                <p16:designElem xmlns:p16="http://schemas.microsoft.com/office/powerpoint/2015/main" val="1"/>
-              </p:ext>
-            </p:extLst>
-          </p:nvPr>
-        </p:nvSpPr>
-        <p:spPr>
-          <a:xfrm>
-            <a:off x="447348" y="551961"/>
-            <a:ext cx="8249304" cy="5399950"/>
-          </a:xfrm>
-          <a:prstGeom prst="rect">
-            <a:avLst/>
-          </a:prstGeom>
-          <a:solidFill>
-            <a:schemeClr val="bg1"/>
-          </a:solidFill>
-          <a:ln>
-            <a:noFill/>
-          </a:ln>
-          <a:effectLst>
-            <a:outerShdw blurRad="139700" dist="127000" dir="5400000" algn="t" rotWithShape="0">
-              <a:prstClr val="black">
-                <a:alpha val="15000"/>
-              </a:prstClr>
-            </a:outerShdw>
-          </a:effectLst>
-        </p:spPr>
-        <p:style>
-          <a:lnRef idx="2">
-            <a:schemeClr val="accent1">
-              <a:shade val="50000"/>
-            </a:schemeClr>
-          </a:lnRef>
-          <a:fillRef idx="1">
-            <a:schemeClr val="accent1"/>
-          </a:fillRef>
-          <a:effectRef idx="0">
-            <a:schemeClr val="accent1"/>
-          </a:effectRef>
-          <a:fontRef idx="minor">
-            <a:schemeClr val="lt1"/>
-          </a:fontRef>
-        </p:style>
-        <p:txBody>
-          <a:bodyPr rtlCol="0" anchor="ctr"/>
-          <a:lstStyle/>
-          <a:p>
-            <a:pPr algn="ctr"/>
-            <a:endParaRPr lang="en-US"/>
-          </a:p>
-        </p:txBody>
-      </p:sp>
-      <p:sp>
-        <p:nvSpPr>
-          <p:cNvPr id="2" name="Title 1"/>
-          <p:cNvSpPr>
-            <a:spLocks noGrp="1"/>
-          </p:cNvSpPr>
-          <p:nvPr>
-            <p:ph type="title"/>
-          </p:nvPr>
-        </p:nvSpPr>
-        <p:spPr>
-          <a:xfrm>
-            <a:off x="1143000" y="1248587"/>
-            <a:ext cx="6858000" cy="2387600"/>
-          </a:xfrm>
-        </p:spPr>
-        <p:txBody>
-          <a:bodyPr vert="horz" lIns="91440" tIns="45720" rIns="91440" bIns="45720" rtlCol="0" anchor="b">
-            <a:normAutofit/>
-          </a:bodyPr>
-          <a:lstStyle/>
-          <a:p>
-            <a:pPr defTabSz="914400">
-              <a:lnSpc>
-                <a:spcPct val="90000"/>
-              </a:lnSpc>
-            </a:pPr>
-            <a:r>
-              <a:rPr lang="en-US" sz="3900" kern="1200">
-                <a:solidFill>
-                  <a:schemeClr val="tx1"/>
-                </a:solidFill>
-                <a:latin typeface="+mj-lt"/>
-                <a:ea typeface="+mj-ea"/>
-                <a:cs typeface="+mj-cs"/>
-              </a:rPr>
-              <a:t>Survey results showed that 85% of adults correctly answered questions about stock market basics during the same period.</a:t>
-            </a:r>
-          </a:p>
-        </p:txBody>
-      </p:sp>
-      <p:cxnSp>
-        <p:nvCxnSpPr>
-          <p:cNvPr id="13" name="Straight Connector 12">
-            <a:extLst>
-              <a:ext uri="{FF2B5EF4-FFF2-40B4-BE49-F238E27FC236}">
-                <a16:creationId xmlns:a16="http://schemas.microsoft.com/office/drawing/2014/main" id="{F7C8EA93-3210-4C62-99E9-153C275E3A87}"/>
-              </a:ext>
-              <a:ext uri="{C183D7F6-B498-43B3-948B-1728B52AA6E4}">
-                <adec:decorative xmlns:adec="http://schemas.microsoft.com/office/drawing/2017/decorative" val="1"/>
-              </a:ext>
-            </a:extLst>
-          </p:cNvPr>
-          <p:cNvCxnSpPr>
-            <a:cxnSpLocks noGrp="1" noRot="1" noChangeAspect="1" noMove="1" noResize="1" noEditPoints="1" noAdjustHandles="1" noChangeArrowheads="1" noChangeShapeType="1"/>
-          </p:cNvCxnSpPr>
-          <p:nvPr>
-            <p:extLst>
-              <p:ext uri="{386F3935-93C4-4BCD-93E2-E3B085C9AB24}">
-                <p16:designElem xmlns:p16="http://schemas.microsoft.com/office/powerpoint/2015/main" val="1"/>
-              </p:ext>
-            </p:extLst>
-          </p:nvPr>
-        </p:nvCxnSpPr>
-        <p:spPr>
-          <a:xfrm flipH="1">
-            <a:off x="447348" y="6329769"/>
-            <a:ext cx="8250174" cy="0"/>
-          </a:xfrm>
-          <a:prstGeom prst="line">
-            <a:avLst/>
-          </a:prstGeom>
-          <a:ln w="152400">
-            <a:solidFill>
-              <a:schemeClr val="accent4"/>
-            </a:solidFill>
-          </a:ln>
-        </p:spPr>
-        <p:style>
-          <a:lnRef idx="1">
-            <a:schemeClr val="accent1"/>
-          </a:lnRef>
-          <a:fillRef idx="0">
-            <a:schemeClr val="accent1"/>
-          </a:fillRef>
-          <a:effectRef idx="0">
-            <a:schemeClr val="accent1"/>
-          </a:effectRef>
-          <a:fontRef idx="minor">
-            <a:schemeClr val="tx1"/>
-          </a:fontRef>
-        </p:style>
-      </p:cxnSp>
-    </p:spTree>
-  </p:cSld>
-  <p:clrMapOvr>
-    <a:masterClrMapping/>
-  </p:clrMapOvr>
-  <p:timing>
-    <p:tnLst>
-      <p:par>
-        <p:cTn id="1" dur="indefinite" restart="never" nodeType="tmRoot">
-          <p:childTnLst>
-            <p:seq concurrent="1" nextAc="seek">
-              <p:cTn id="2" dur="indefinite" nodeType="mainSeq">
-                <p:childTnLst>
-                  <p:par>
-                    <p:cTn id="3" fill="hold">
-                      <p:stCondLst>
-                        <p:cond delay="indefinite"/>
-                        <p:cond evt="onBegin" delay="0">
-                          <p:tn val="2"/>
-                        </p:cond>
-                      </p:stCondLst>
-                      <p:childTnLst>
-                        <p:par>
-                          <p:cTn id="4" fill="hold">
-                            <p:stCondLst>
-                              <p:cond delay="0"/>
-                            </p:stCondLst>
-                            <p:childTnLst>
-                              <p:par>
-                                <p:cTn id="5" presetID="10" presetClass="entr" presetSubtype="0" fill="hold" grpId="0" nodeType="withEffect">
-                                  <p:stCondLst>
-                                    <p:cond delay="500"/>
-                                  </p:stCondLst>
-                                  <p:iterate>
-                                    <p:tmPct val="10000"/>
-                                  </p:iterate>
-                                  <p:childTnLst>
-                                    <p:set>
-                                      <p:cBhvr>
-                                        <p:cTn id="6" dur="1" fill="hold">
-                                          <p:stCondLst>
-                                            <p:cond delay="0"/>
-                                          </p:stCondLst>
-                                        </p:cTn>
-                                        <p:tgtEl>
-                                          <p:spTgt spid="2"/>
-                                        </p:tgtEl>
-                                        <p:attrNameLst>
-                                          <p:attrName>style.visibility</p:attrName>
-                                        </p:attrNameLst>
-                                      </p:cBhvr>
-                                      <p:to>
-                                        <p:strVal val="visible"/>
-                                      </p:to>
-                                    </p:set>
-                                    <p:animEffect transition="in" filter="fade">
-                                      <p:cBhvr>
-                                        <p:cTn id="7" dur="700"/>
-                                        <p:tgtEl>
-                                          <p:spTgt spid="2"/>
-                                        </p:tgtEl>
-                                      </p:cBhvr>
-                                    </p:animEffect>
-                                  </p:childTnLst>
-                                </p:cTn>
-                              </p:par>
-                            </p:childTnLst>
-                          </p:cTn>
-                        </p:par>
-                      </p:childTnLst>
-                    </p:cTn>
-                  </p:par>
-                </p:childTnLst>
-              </p:cTn>
-              <p:prevCondLst>
-                <p:cond evt="onPrev" delay="0">
-                  <p:tgtEl>
-                    <p:sldTgt/>
-                  </p:tgtEl>
-                </p:cond>
-              </p:prevCondLst>
-              <p:nextCondLst>
-                <p:cond evt="onNext" delay="0">
-                  <p:tgtEl>
-                    <p:sldTgt/>
-                  </p:tgtEl>
-                </p:cond>
-              </p:nextCondLst>
-            </p:seq>
-          </p:childTnLst>
-        </p:cTn>
-      </p:par>
-    </p:tnLst>
-    <p:bldLst>
-      <p:bldP spid="2" grpId="0"/>
-    </p:bldLst>
-  </p:timing>
-</p:sld>
-</file>
-
-<file path=ppt/slides/slide5.xml><?xml version="1.0" encoding="utf-8"?>
-<p:sld xmlns:a="http://schemas.openxmlformats.org/drawingml/2006/main" xmlns:r="http://schemas.openxmlformats.org/officeDocument/2006/relationships" xmlns:p="http://schemas.openxmlformats.org/presentationml/2006/main">
-  <p:cSld>
-    <p:bg>
-      <p:bgPr>
-        <a:solidFill>
-          <a:schemeClr val="bg1"/>
-        </a:solidFill>
-        <a:effectLst/>
-      </p:bgPr>
-    </p:bg>
-    <p:spTree>
-      <p:nvGrpSpPr>
-        <p:cNvPr id="1" name=""/>
-        <p:cNvGrpSpPr/>
-        <p:nvPr/>
-      </p:nvGrpSpPr>
-      <p:grpSpPr>
-        <a:xfrm>
-          <a:off x="0" y="0"/>
-          <a:ext cx="0" cy="0"/>
-          <a:chOff x="0" y="0"/>
-          <a:chExt cx="0" cy="0"/>
-        </a:xfrm>
-      </p:grpSpPr>
-      <p:sp useBgFill="1">
-        <p:nvSpPr>
-          <p:cNvPr id="8" name="Rectangle 7">
-            <a:extLst>
-              <a:ext uri="{FF2B5EF4-FFF2-40B4-BE49-F238E27FC236}">
-                <a16:creationId xmlns:a16="http://schemas.microsoft.com/office/drawing/2014/main" id="{47942995-B07F-4636-9A06-C6A104B260A8}"/>
-              </a:ext>
-              <a:ext uri="{C183D7F6-B498-43B3-948B-1728B52AA6E4}">
-                <adec:decorative xmlns:adec="http://schemas.microsoft.com/office/drawing/2017/decorative" val="1"/>
-              </a:ext>
-            </a:extLst>
-          </p:cNvPr>
-          <p:cNvSpPr>
-            <a:spLocks noGrp="1" noRot="1" noChangeAspect="1" noMove="1" noResize="1" noEditPoints="1" noAdjustHandles="1" noChangeArrowheads="1" noChangeShapeType="1" noTextEdit="1"/>
-          </p:cNvSpPr>
-          <p:nvPr>
-            <p:extLst>
-              <p:ext uri="{386F3935-93C4-4BCD-93E2-E3B085C9AB24}">
-                <p16:designElem xmlns:p16="http://schemas.microsoft.com/office/powerpoint/2015/main" val="1"/>
-              </p:ext>
-            </p:extLst>
-          </p:nvPr>
-        </p:nvSpPr>
-        <p:spPr>
-          <a:xfrm>
-            <a:off x="0" y="0"/>
-            <a:ext cx="9143999" cy="6857365"/>
-          </a:xfrm>
-          <a:prstGeom prst="rect">
-            <a:avLst/>
-          </a:prstGeom>
-          <a:ln>
-            <a:noFill/>
-          </a:ln>
-        </p:spPr>
-        <p:style>
-          <a:lnRef idx="2">
-            <a:schemeClr val="accent1">
-              <a:shade val="50000"/>
-            </a:schemeClr>
-          </a:lnRef>
-          <a:fillRef idx="1">
-            <a:schemeClr val="accent1"/>
-          </a:fillRef>
-          <a:effectRef idx="0">
-            <a:schemeClr val="accent1"/>
-          </a:effectRef>
-          <a:fontRef idx="minor">
-            <a:schemeClr val="lt1"/>
-          </a:fontRef>
-        </p:style>
-        <p:txBody>
-          <a:bodyPr rtlCol="0" anchor="ctr"/>
-          <a:lstStyle/>
-          <a:p>
-            <a:pPr algn="ctr"/>
-            <a:endParaRPr lang="en-US"/>
-          </a:p>
-        </p:txBody>
-      </p:sp>
-      <p:sp>
-        <p:nvSpPr>
-          <p:cNvPr id="2" name="Title 1"/>
-          <p:cNvSpPr>
-            <a:spLocks noGrp="1"/>
-          </p:cNvSpPr>
-          <p:nvPr>
-            <p:ph type="title"/>
-          </p:nvPr>
-        </p:nvSpPr>
-        <p:spPr>
-          <a:xfrm>
-            <a:off x="835357" y="2960716"/>
-            <a:ext cx="3027251" cy="2387600"/>
-          </a:xfrm>
-        </p:spPr>
-        <p:txBody>
-          <a:bodyPr vert="horz" lIns="91440" tIns="45720" rIns="91440" bIns="45720" rtlCol="0" anchor="t">
-            <a:normAutofit/>
-          </a:bodyPr>
-          <a:lstStyle/>
-          <a:p>
-            <a:pPr algn="l" defTabSz="914400">
-              <a:lnSpc>
-                <a:spcPct val="90000"/>
-              </a:lnSpc>
-            </a:pPr>
-            <a:r>
-              <a:rPr lang="en-US" sz="4300" kern="1200">
-                <a:solidFill>
-                  <a:schemeClr val="tx1"/>
-                </a:solidFill>
-                <a:latin typeface="+mj-lt"/>
-                <a:ea typeface="+mj-ea"/>
-                <a:cs typeface="+mj-cs"/>
-              </a:rPr>
+        <p:spPr/>
+        <p:txBody>
+          <a:bodyPr/>
+          <a:lstStyle/>
+          <a:p>
+            <a:r>
               <a:t>Stock Knowledge Comparison</a:t>
             </a:r>
-          </a:p>
-        </p:txBody>
-      </p:sp>
-      <p:grpSp>
-        <p:nvGrpSpPr>
-          <p:cNvPr id="10" name="Group 9">
-            <a:extLst>
-              <a:ext uri="{FF2B5EF4-FFF2-40B4-BE49-F238E27FC236}">
-                <a16:creationId xmlns:a16="http://schemas.microsoft.com/office/drawing/2014/main" id="{032D8612-31EB-44CF-A1D0-14FD4C705424}"/>
-              </a:ext>
-              <a:ext uri="{C183D7F6-B498-43B3-948B-1728B52AA6E4}">
-                <adec:decorative xmlns:adec="http://schemas.microsoft.com/office/drawing/2017/decorative" val="1"/>
-              </a:ext>
-            </a:extLst>
-          </p:cNvPr>
-          <p:cNvGrpSpPr>
-            <a:grpSpLocks noGrp="1" noUngrp="1" noRot="1" noChangeAspect="1" noMove="1" noResize="1"/>
-          </p:cNvGrpSpPr>
-          <p:nvPr>
-            <p:extLst>
-              <p:ext uri="{386F3935-93C4-4BCD-93E2-E3B085C9AB24}">
-                <p16:designElem xmlns:p16="http://schemas.microsoft.com/office/powerpoint/2015/main" val="1"/>
-              </p:ext>
-            </p:extLst>
-          </p:nvPr>
-        </p:nvGrpSpPr>
-        <p:grpSpPr>
-          <a:xfrm>
-            <a:off x="-2" y="2984992"/>
-            <a:ext cx="548639" cy="673460"/>
-            <a:chOff x="3940602" y="308034"/>
-            <a:chExt cx="2116791" cy="3428999"/>
-          </a:xfrm>
-          <a:solidFill>
-            <a:schemeClr val="accent4"/>
-          </a:solidFill>
-        </p:grpSpPr>
-        <p:sp>
-          <p:nvSpPr>
-            <p:cNvPr id="11" name="Rectangle 10">
-              <a:extLst>
-                <a:ext uri="{FF2B5EF4-FFF2-40B4-BE49-F238E27FC236}">
-                  <a16:creationId xmlns:a16="http://schemas.microsoft.com/office/drawing/2014/main" id="{F19A4A0F-1B59-4DB0-9764-D10936E98770}"/>
-                </a:ext>
-                <a:ext uri="{C183D7F6-B498-43B3-948B-1728B52AA6E4}">
-                  <adec:decorative xmlns:adec="http://schemas.microsoft.com/office/drawing/2017/decorative" val="1"/>
-                </a:ext>
-              </a:extLst>
-            </p:cNvPr>
-            <p:cNvSpPr/>
-            <p:nvPr>
-              <p:extLst>
-                <p:ext uri="{386F3935-93C4-4BCD-93E2-E3B085C9AB24}">
-                  <p16:designElem xmlns:p16="http://schemas.microsoft.com/office/powerpoint/2015/main" val="1"/>
-                </p:ext>
-              </p:extLst>
-            </p:nvPr>
-          </p:nvSpPr>
-          <p:spPr>
-            <a:xfrm>
-              <a:off x="3940602" y="308034"/>
-              <a:ext cx="566743" cy="3428999"/>
-            </a:xfrm>
-            <a:prstGeom prst="rect">
-              <a:avLst/>
-            </a:prstGeom>
-            <a:grpFill/>
-            <a:ln>
-              <a:noFill/>
-            </a:ln>
-          </p:spPr>
-          <p:style>
-            <a:lnRef idx="2">
-              <a:schemeClr val="accent1">
-                <a:shade val="50000"/>
-              </a:schemeClr>
-            </a:lnRef>
-            <a:fillRef idx="1">
-              <a:schemeClr val="accent1"/>
-            </a:fillRef>
-            <a:effectRef idx="0">
-              <a:schemeClr val="accent1"/>
-            </a:effectRef>
-            <a:fontRef idx="minor">
-              <a:schemeClr val="lt1"/>
-            </a:fontRef>
-          </p:style>
-          <p:txBody>
-            <a:bodyPr rtlCol="0" anchor="ctr"/>
-            <a:lstStyle/>
-            <a:p>
-              <a:pPr algn="ctr"/>
-              <a:endParaRPr lang="en-US"/>
-            </a:p>
-          </p:txBody>
-        </p:sp>
-        <p:sp>
-          <p:nvSpPr>
-            <p:cNvPr id="12" name="Rectangle 11">
-              <a:extLst>
-                <a:ext uri="{FF2B5EF4-FFF2-40B4-BE49-F238E27FC236}">
-                  <a16:creationId xmlns:a16="http://schemas.microsoft.com/office/drawing/2014/main" id="{F399A70F-F8CD-4992-9EF5-6CF15472E73F}"/>
-                </a:ext>
-                <a:ext uri="{C183D7F6-B498-43B3-948B-1728B52AA6E4}">
-                  <adec:decorative xmlns:adec="http://schemas.microsoft.com/office/drawing/2017/decorative" val="1"/>
-                </a:ext>
-              </a:extLst>
-            </p:cNvPr>
-            <p:cNvSpPr/>
-            <p:nvPr>
-              <p:extLst>
-                <p:ext uri="{386F3935-93C4-4BCD-93E2-E3B085C9AB24}">
-                  <p16:designElem xmlns:p16="http://schemas.microsoft.com/office/powerpoint/2015/main" val="1"/>
-                </p:ext>
-              </p:extLst>
-            </p:nvPr>
-          </p:nvSpPr>
-          <p:spPr>
-            <a:xfrm>
-              <a:off x="4715626" y="308034"/>
-              <a:ext cx="566743" cy="3428999"/>
-            </a:xfrm>
-            <a:prstGeom prst="rect">
-              <a:avLst/>
-            </a:prstGeom>
-            <a:grpFill/>
-            <a:ln>
-              <a:noFill/>
-            </a:ln>
-          </p:spPr>
-          <p:style>
-            <a:lnRef idx="2">
-              <a:schemeClr val="accent1">
-                <a:shade val="50000"/>
-              </a:schemeClr>
-            </a:lnRef>
-            <a:fillRef idx="1">
-              <a:schemeClr val="accent1"/>
-            </a:fillRef>
-            <a:effectRef idx="0">
-              <a:schemeClr val="accent1"/>
-            </a:effectRef>
-            <a:fontRef idx="minor">
-              <a:schemeClr val="lt1"/>
-            </a:fontRef>
-          </p:style>
-          <p:txBody>
-            <a:bodyPr rtlCol="0" anchor="ctr"/>
-            <a:lstStyle/>
-            <a:p>
-              <a:pPr algn="ctr"/>
-              <a:endParaRPr lang="en-US"/>
-            </a:p>
-          </p:txBody>
-        </p:sp>
-        <p:sp>
-          <p:nvSpPr>
-            <p:cNvPr id="13" name="Rectangle 12">
-              <a:extLst>
-                <a:ext uri="{FF2B5EF4-FFF2-40B4-BE49-F238E27FC236}">
-                  <a16:creationId xmlns:a16="http://schemas.microsoft.com/office/drawing/2014/main" id="{48F4FEDC-6D80-458C-A665-075D9B9500FD}"/>
-                </a:ext>
-                <a:ext uri="{C183D7F6-B498-43B3-948B-1728B52AA6E4}">
-                  <adec:decorative xmlns:adec="http://schemas.microsoft.com/office/drawing/2017/decorative" val="1"/>
-                </a:ext>
-              </a:extLst>
-            </p:cNvPr>
-            <p:cNvSpPr/>
-            <p:nvPr>
-              <p:extLst>
-                <p:ext uri="{386F3935-93C4-4BCD-93E2-E3B085C9AB24}">
-                  <p16:designElem xmlns:p16="http://schemas.microsoft.com/office/powerpoint/2015/main" val="1"/>
-                </p:ext>
-              </p:extLst>
-            </p:nvPr>
-          </p:nvSpPr>
-          <p:spPr>
-            <a:xfrm>
-              <a:off x="5490650" y="308034"/>
-              <a:ext cx="566743" cy="3428999"/>
-            </a:xfrm>
-            <a:prstGeom prst="rect">
-              <a:avLst/>
-            </a:prstGeom>
-            <a:grpFill/>
-            <a:ln>
-              <a:noFill/>
-            </a:ln>
-          </p:spPr>
-          <p:style>
-            <a:lnRef idx="2">
-              <a:schemeClr val="accent1">
-                <a:shade val="50000"/>
-              </a:schemeClr>
-            </a:lnRef>
-            <a:fillRef idx="1">
-              <a:schemeClr val="accent1"/>
-            </a:fillRef>
-            <a:effectRef idx="0">
-              <a:schemeClr val="accent1"/>
-            </a:effectRef>
-            <a:fontRef idx="minor">
-              <a:schemeClr val="lt1"/>
-            </a:fontRef>
-          </p:style>
-          <p:txBody>
-            <a:bodyPr rtlCol="0" anchor="ctr"/>
-            <a:lstStyle/>
-            <a:p>
-              <a:pPr algn="ctr"/>
-              <a:endParaRPr lang="en-US"/>
-            </a:p>
-          </p:txBody>
-        </p:sp>
-      </p:grpSp>
-      <p:sp>
-        <p:nvSpPr>
-          <p:cNvPr id="15" name="Rectangle 14">
-            <a:extLst>
-              <a:ext uri="{FF2B5EF4-FFF2-40B4-BE49-F238E27FC236}">
-                <a16:creationId xmlns:a16="http://schemas.microsoft.com/office/drawing/2014/main" id="{B81933D1-5615-42C7-9C0B-4EB7105CCE2D}"/>
-              </a:ext>
-              <a:ext uri="{C183D7F6-B498-43B3-948B-1728B52AA6E4}">
-                <adec:decorative xmlns:adec="http://schemas.microsoft.com/office/drawing/2017/decorative" val="1"/>
-              </a:ext>
-            </a:extLst>
-          </p:cNvPr>
-          <p:cNvSpPr>
-            <a:spLocks noGrp="1" noRot="1" noChangeAspect="1" noMove="1" noResize="1" noEditPoints="1" noAdjustHandles="1" noChangeArrowheads="1" noChangeShapeType="1" noTextEdit="1"/>
-          </p:cNvSpPr>
-          <p:nvPr>
-            <p:extLst>
-              <p:ext uri="{386F3935-93C4-4BCD-93E2-E3B085C9AB24}">
-                <p16:designElem xmlns:p16="http://schemas.microsoft.com/office/powerpoint/2015/main" val="1"/>
-              </p:ext>
-            </p:extLst>
-          </p:nvPr>
-        </p:nvSpPr>
-        <p:spPr>
-          <a:xfrm flipH="1">
-            <a:off x="8023252" y="0"/>
-            <a:ext cx="1120748" cy="6858000"/>
-          </a:xfrm>
-          <a:prstGeom prst="rect">
-            <a:avLst/>
-          </a:prstGeom>
-          <a:solidFill>
-            <a:schemeClr val="accent4"/>
-          </a:solidFill>
-          <a:ln>
-            <a:noFill/>
-          </a:ln>
-        </p:spPr>
-        <p:style>
-          <a:lnRef idx="2">
-            <a:schemeClr val="accent1">
-              <a:shade val="50000"/>
-            </a:schemeClr>
-          </a:lnRef>
-          <a:fillRef idx="1">
-            <a:schemeClr val="accent1"/>
-          </a:fillRef>
-          <a:effectRef idx="0">
-            <a:schemeClr val="accent1"/>
-          </a:effectRef>
-          <a:fontRef idx="minor">
-            <a:schemeClr val="lt1"/>
-          </a:fontRef>
-        </p:style>
-        <p:txBody>
-          <a:bodyPr rtlCol="0" anchor="ctr"/>
-          <a:lstStyle/>
-          <a:p>
-            <a:pPr algn="ctr"/>
-            <a:endParaRPr lang="en-US"/>
-          </a:p>
-        </p:txBody>
-      </p:sp>
-      <p:sp>
-        <p:nvSpPr>
-          <p:cNvPr id="17" name="Rectangle 16">
-            <a:extLst>
-              <a:ext uri="{FF2B5EF4-FFF2-40B4-BE49-F238E27FC236}">
-                <a16:creationId xmlns:a16="http://schemas.microsoft.com/office/drawing/2014/main" id="{19C9EAEA-39D0-4B0E-A0EB-51E7B26740B1}"/>
-              </a:ext>
-              <a:ext uri="{C183D7F6-B498-43B3-948B-1728B52AA6E4}">
-                <adec:decorative xmlns:adec="http://schemas.microsoft.com/office/drawing/2017/decorative" val="1"/>
-              </a:ext>
-            </a:extLst>
-          </p:cNvPr>
-          <p:cNvSpPr>
-            <a:spLocks noGrp="1" noRot="1" noChangeAspect="1" noMove="1" noResize="1" noEditPoints="1" noAdjustHandles="1" noChangeArrowheads="1" noChangeShapeType="1" noTextEdit="1"/>
-          </p:cNvSpPr>
-          <p:nvPr>
-            <p:extLst>
-              <p:ext uri="{386F3935-93C4-4BCD-93E2-E3B085C9AB24}">
-                <p16:designElem xmlns:p16="http://schemas.microsoft.com/office/powerpoint/2015/main" val="1"/>
-              </p:ext>
-            </p:extLst>
-          </p:nvPr>
-        </p:nvSpPr>
-        <p:spPr>
-          <a:xfrm>
-            <a:off x="4264357" y="391886"/>
-            <a:ext cx="4507025" cy="6017078"/>
-          </a:xfrm>
-          <a:prstGeom prst="rect">
-            <a:avLst/>
-          </a:prstGeom>
-          <a:solidFill>
-            <a:schemeClr val="bg1"/>
-          </a:solidFill>
-          <a:ln>
-            <a:noFill/>
-          </a:ln>
-          <a:effectLst>
-            <a:outerShdw blurRad="139700" dist="127000" dir="5400000" algn="t" rotWithShape="0">
-              <a:prstClr val="black">
-                <a:alpha val="15000"/>
-              </a:prstClr>
-            </a:outerShdw>
-          </a:effectLst>
-        </p:spPr>
-        <p:style>
-          <a:lnRef idx="2">
-            <a:schemeClr val="accent1">
-              <a:shade val="50000"/>
-            </a:schemeClr>
-          </a:lnRef>
-          <a:fillRef idx="1">
-            <a:schemeClr val="accent1"/>
-          </a:fillRef>
-          <a:effectRef idx="0">
-            <a:schemeClr val="accent1"/>
-          </a:effectRef>
-          <a:fontRef idx="minor">
-            <a:schemeClr val="lt1"/>
-          </a:fontRef>
-        </p:style>
-        <p:txBody>
-          <a:bodyPr rtlCol="0" anchor="ctr"/>
-          <a:lstStyle/>
-          <a:p>
-            <a:pPr algn="ctr"/>
-            <a:endParaRPr lang="en-US"/>
           </a:p>
         </p:txBody>
       </p:sp>
@@ -5336,8 +3125,8 @@
         </p:blipFill>
         <p:spPr>
           <a:xfrm>
-            <a:off x="4441869" y="2154024"/>
-            <a:ext cx="4152000" cy="2491199"/>
+            <a:off x="914400" y="914400"/>
+            <a:ext cx="7315200" cy="4114800"/>
           </a:xfrm>
           <a:prstGeom prst="rect">
             <a:avLst/>
@@ -5345,720 +3134,6 @@
         </p:spPr>
       </p:pic>
     </p:spTree>
-  </p:cSld>
-  <p:clrMapOvr>
-    <a:masterClrMapping/>
-  </p:clrMapOvr>
-</p:sld>
-</file>
-
-<file path=ppt/slides/slide6.xml><?xml version="1.0" encoding="utf-8"?>
-<p:sld xmlns:a="http://schemas.openxmlformats.org/drawingml/2006/main" xmlns:r="http://schemas.openxmlformats.org/officeDocument/2006/relationships" xmlns:p="http://schemas.openxmlformats.org/presentationml/2006/main">
-  <p:cSld>
-    <p:bg>
-      <p:bgPr>
-        <a:solidFill>
-          <a:schemeClr val="bg1"/>
-        </a:solidFill>
-        <a:effectLst/>
-      </p:bgPr>
-    </p:bg>
-    <p:spTree>
-      <p:nvGrpSpPr>
-        <p:cNvPr id="1" name=""/>
-        <p:cNvGrpSpPr/>
-        <p:nvPr/>
-      </p:nvGrpSpPr>
-      <p:grpSpPr>
-        <a:xfrm>
-          <a:off x="0" y="0"/>
-          <a:ext cx="0" cy="0"/>
-          <a:chOff x="0" y="0"/>
-          <a:chExt cx="0" cy="0"/>
-        </a:xfrm>
-      </p:grpSpPr>
-      <p:sp useBgFill="1">
-        <p:nvSpPr>
-          <p:cNvPr id="8" name="Rectangle 7">
-            <a:extLst>
-              <a:ext uri="{FF2B5EF4-FFF2-40B4-BE49-F238E27FC236}">
-                <a16:creationId xmlns:a16="http://schemas.microsoft.com/office/drawing/2014/main" id="{081EA652-8C6A-4E69-BEB9-170809474553}"/>
-              </a:ext>
-              <a:ext uri="{C183D7F6-B498-43B3-948B-1728B52AA6E4}">
-                <adec:decorative xmlns:adec="http://schemas.microsoft.com/office/drawing/2017/decorative" val="1"/>
-              </a:ext>
-            </a:extLst>
-          </p:cNvPr>
-          <p:cNvSpPr>
-            <a:spLocks noGrp="1" noRot="1" noChangeAspect="1" noMove="1" noResize="1" noEditPoints="1" noAdjustHandles="1" noChangeArrowheads="1" noChangeShapeType="1" noTextEdit="1"/>
-          </p:cNvSpPr>
-          <p:nvPr>
-            <p:extLst>
-              <p:ext uri="{386F3935-93C4-4BCD-93E2-E3B085C9AB24}">
-                <p16:designElem xmlns:p16="http://schemas.microsoft.com/office/powerpoint/2015/main" val="1"/>
-              </p:ext>
-            </p:extLst>
-          </p:nvPr>
-        </p:nvSpPr>
-        <p:spPr>
-          <a:xfrm>
-            <a:off x="0" y="0"/>
-            <a:ext cx="9144000" cy="6858000"/>
-          </a:xfrm>
-          <a:prstGeom prst="rect">
-            <a:avLst/>
-          </a:prstGeom>
-          <a:ln>
-            <a:noFill/>
-          </a:ln>
-        </p:spPr>
-        <p:style>
-          <a:lnRef idx="2">
-            <a:schemeClr val="accent1">
-              <a:shade val="50000"/>
-            </a:schemeClr>
-          </a:lnRef>
-          <a:fillRef idx="1">
-            <a:schemeClr val="accent1"/>
-          </a:fillRef>
-          <a:effectRef idx="0">
-            <a:schemeClr val="accent1"/>
-          </a:effectRef>
-          <a:fontRef idx="minor">
-            <a:schemeClr val="lt1"/>
-          </a:fontRef>
-        </p:style>
-        <p:txBody>
-          <a:bodyPr rtlCol="0" anchor="ctr"/>
-          <a:lstStyle/>
-          <a:p>
-            <a:pPr algn="ctr"/>
-            <a:endParaRPr lang="en-US"/>
-          </a:p>
-        </p:txBody>
-      </p:sp>
-      <p:sp>
-        <p:nvSpPr>
-          <p:cNvPr id="10" name="Right Triangle 9">
-            <a:extLst>
-              <a:ext uri="{FF2B5EF4-FFF2-40B4-BE49-F238E27FC236}">
-                <a16:creationId xmlns:a16="http://schemas.microsoft.com/office/drawing/2014/main" id="{5298780A-33B9-4EA2-8F67-DE68AD62841B}"/>
-              </a:ext>
-              <a:ext uri="{C183D7F6-B498-43B3-948B-1728B52AA6E4}">
-                <adec:decorative xmlns:adec="http://schemas.microsoft.com/office/drawing/2017/decorative" val="1"/>
-              </a:ext>
-            </a:extLst>
-          </p:cNvPr>
-          <p:cNvSpPr>
-            <a:spLocks noGrp="1" noRot="1" noChangeAspect="1" noMove="1" noResize="1" noEditPoints="1" noAdjustHandles="1" noChangeArrowheads="1" noChangeShapeType="1" noTextEdit="1"/>
-          </p:cNvSpPr>
-          <p:nvPr>
-            <p:extLst>
-              <p:ext uri="{386F3935-93C4-4BCD-93E2-E3B085C9AB24}">
-                <p16:designElem xmlns:p16="http://schemas.microsoft.com/office/powerpoint/2015/main" val="1"/>
-              </p:ext>
-            </p:extLst>
-          </p:nvPr>
-        </p:nvSpPr>
-        <p:spPr>
-          <a:xfrm flipH="1">
-            <a:off x="6432540" y="3335867"/>
-            <a:ext cx="2468880" cy="3200400"/>
-          </a:xfrm>
-          <a:prstGeom prst="rtTriangle">
-            <a:avLst/>
-          </a:prstGeom>
-          <a:solidFill>
-            <a:schemeClr val="accent4"/>
-          </a:solidFill>
-          <a:ln>
-            <a:noFill/>
-          </a:ln>
-        </p:spPr>
-        <p:style>
-          <a:lnRef idx="2">
-            <a:schemeClr val="accent1">
-              <a:shade val="50000"/>
-            </a:schemeClr>
-          </a:lnRef>
-          <a:fillRef idx="1">
-            <a:schemeClr val="accent1"/>
-          </a:fillRef>
-          <a:effectRef idx="0">
-            <a:schemeClr val="accent1"/>
-          </a:effectRef>
-          <a:fontRef idx="minor">
-            <a:schemeClr val="lt1"/>
-          </a:fontRef>
-        </p:style>
-        <p:txBody>
-          <a:bodyPr rtlCol="0" anchor="ctr"/>
-          <a:lstStyle/>
-          <a:p>
-            <a:pPr algn="ctr"/>
-            <a:endParaRPr lang="en-US" dirty="0"/>
-          </a:p>
-        </p:txBody>
-      </p:sp>
-      <p:sp>
-        <p:nvSpPr>
-          <p:cNvPr id="12" name="Rectangle 11">
-            <a:extLst>
-              <a:ext uri="{FF2B5EF4-FFF2-40B4-BE49-F238E27FC236}">
-                <a16:creationId xmlns:a16="http://schemas.microsoft.com/office/drawing/2014/main" id="{7F488E8B-4E1E-4402-8935-D4E6C02615C7}"/>
-              </a:ext>
-              <a:ext uri="{C183D7F6-B498-43B3-948B-1728B52AA6E4}">
-                <adec:decorative xmlns:adec="http://schemas.microsoft.com/office/drawing/2017/decorative" val="1"/>
-              </a:ext>
-            </a:extLst>
-          </p:cNvPr>
-          <p:cNvSpPr>
-            <a:spLocks noGrp="1" noRot="1" noChangeAspect="1" noMove="1" noResize="1" noEditPoints="1" noAdjustHandles="1" noChangeArrowheads="1" noChangeShapeType="1" noTextEdit="1"/>
-          </p:cNvSpPr>
-          <p:nvPr>
-            <p:extLst>
-              <p:ext uri="{386F3935-93C4-4BCD-93E2-E3B085C9AB24}">
-                <p16:designElem xmlns:p16="http://schemas.microsoft.com/office/powerpoint/2015/main" val="1"/>
-              </p:ext>
-            </p:extLst>
-          </p:nvPr>
-        </p:nvSpPr>
-        <p:spPr>
-          <a:xfrm>
-            <a:off x="481330" y="623275"/>
-            <a:ext cx="8178790" cy="5607882"/>
-          </a:xfrm>
-          <a:prstGeom prst="rect">
-            <a:avLst/>
-          </a:prstGeom>
-          <a:noFill/>
-          <a:ln w="19050">
-            <a:solidFill>
-              <a:schemeClr val="tx1">
-                <a:lumMod val="75000"/>
-                <a:lumOff val="25000"/>
-              </a:schemeClr>
-            </a:solidFill>
-          </a:ln>
-        </p:spPr>
-        <p:style>
-          <a:lnRef idx="2">
-            <a:schemeClr val="accent1">
-              <a:shade val="50000"/>
-            </a:schemeClr>
-          </a:lnRef>
-          <a:fillRef idx="1">
-            <a:schemeClr val="accent1"/>
-          </a:fillRef>
-          <a:effectRef idx="0">
-            <a:schemeClr val="accent1"/>
-          </a:effectRef>
-          <a:fontRef idx="minor">
-            <a:schemeClr val="lt1"/>
-          </a:fontRef>
-        </p:style>
-        <p:txBody>
-          <a:bodyPr rtlCol="0" anchor="ctr"/>
-          <a:lstStyle/>
-          <a:p>
-            <a:pPr algn="ctr"/>
-            <a:endParaRPr lang="en-US"/>
-          </a:p>
-        </p:txBody>
-      </p:sp>
-      <p:sp>
-        <p:nvSpPr>
-          <p:cNvPr id="2" name="Title 1"/>
-          <p:cNvSpPr>
-            <a:spLocks noGrp="1"/>
-          </p:cNvSpPr>
-          <p:nvPr>
-            <p:ph type="title"/>
-          </p:nvPr>
-        </p:nvSpPr>
-        <p:spPr>
-          <a:xfrm>
-            <a:off x="963930" y="1050595"/>
-            <a:ext cx="6056111" cy="1618489"/>
-          </a:xfrm>
-        </p:spPr>
-        <p:txBody>
-          <a:bodyPr anchor="ctr">
-            <a:normAutofit/>
-          </a:bodyPr>
-          <a:lstStyle/>
-          <a:p>
-            <a:r>
-              <a:rPr lang="en-US" sz="6300"/>
-              <a:t>Conclusion</a:t>
-            </a:r>
-          </a:p>
-        </p:txBody>
-      </p:sp>
-      <p:sp>
-        <p:nvSpPr>
-          <p:cNvPr id="3" name="Content Placeholder 2"/>
-          <p:cNvSpPr>
-            <a:spLocks noGrp="1"/>
-          </p:cNvSpPr>
-          <p:nvPr>
-            <p:ph idx="1"/>
-          </p:nvPr>
-        </p:nvSpPr>
-        <p:spPr>
-          <a:xfrm>
-            <a:off x="963930" y="2969469"/>
-            <a:ext cx="6056111" cy="2800395"/>
-          </a:xfrm>
-        </p:spPr>
-        <p:txBody>
-          <a:bodyPr anchor="t">
-            <a:normAutofit/>
-          </a:bodyPr>
-          <a:lstStyle/>
-          <a:p>
-            <a:r>
-              <a:rPr lang="en-US" sz="2100"/>
-              <a:t>The data reveals that adults had a higher understanding of stocks compared to 5th graders during the COVID-19 outbreak. This highlights the importance of financial education across age groups.</a:t>
-            </a:r>
-          </a:p>
-        </p:txBody>
-      </p:sp>
-    </p:spTree>
-  </p:cSld>
-  <p:clrMapOvr>
-    <a:masterClrMapping/>
-  </p:clrMapOvr>
-</p:sld>
-</file>
-
-<file path=ppt/slides/slide7.xml><?xml version="1.0" encoding="utf-8"?>
-<p:sld xmlns:a="http://schemas.openxmlformats.org/drawingml/2006/main" xmlns:r="http://schemas.openxmlformats.org/officeDocument/2006/relationships" xmlns:p="http://schemas.openxmlformats.org/presentationml/2006/main">
-  <p:cSld>
-    <p:bg>
-      <p:bgPr>
-        <a:solidFill>
-          <a:schemeClr val="bg1"/>
-        </a:solidFill>
-        <a:effectLst/>
-      </p:bgPr>
-    </p:bg>
-    <p:spTree>
-      <p:nvGrpSpPr>
-        <p:cNvPr id="1" name=""/>
-        <p:cNvGrpSpPr/>
-        <p:nvPr/>
-      </p:nvGrpSpPr>
-      <p:grpSpPr>
-        <a:xfrm>
-          <a:off x="0" y="0"/>
-          <a:ext cx="0" cy="0"/>
-          <a:chOff x="0" y="0"/>
-          <a:chExt cx="0" cy="0"/>
-        </a:xfrm>
-      </p:grpSpPr>
-      <p:sp useBgFill="1">
-        <p:nvSpPr>
-          <p:cNvPr id="8" name="Rectangle 7">
-            <a:extLst>
-              <a:ext uri="{FF2B5EF4-FFF2-40B4-BE49-F238E27FC236}">
-                <a16:creationId xmlns:a16="http://schemas.microsoft.com/office/drawing/2014/main" id="{DBF61EA3-B236-439E-9C0B-340980D56BEE}"/>
-              </a:ext>
-              <a:ext uri="{C183D7F6-B498-43B3-948B-1728B52AA6E4}">
-                <adec:decorative xmlns:adec="http://schemas.microsoft.com/office/drawing/2017/decorative" val="1"/>
-              </a:ext>
-            </a:extLst>
-          </p:cNvPr>
-          <p:cNvSpPr>
-            <a:spLocks noGrp="1" noRot="1" noChangeAspect="1" noMove="1" noResize="1" noEditPoints="1" noAdjustHandles="1" noChangeArrowheads="1" noChangeShapeType="1" noTextEdit="1"/>
-          </p:cNvSpPr>
-          <p:nvPr>
-            <p:extLst>
-              <p:ext uri="{386F3935-93C4-4BCD-93E2-E3B085C9AB24}">
-                <p16:designElem xmlns:p16="http://schemas.microsoft.com/office/powerpoint/2015/main" val="1"/>
-              </p:ext>
-            </p:extLst>
-          </p:nvPr>
-        </p:nvSpPr>
-        <p:spPr>
-          <a:xfrm>
-            <a:off x="0" y="0"/>
-            <a:ext cx="9143999" cy="6857365"/>
-          </a:xfrm>
-          <a:prstGeom prst="rect">
-            <a:avLst/>
-          </a:prstGeom>
-          <a:ln>
-            <a:noFill/>
-          </a:ln>
-        </p:spPr>
-        <p:style>
-          <a:lnRef idx="2">
-            <a:schemeClr val="accent1">
-              <a:shade val="50000"/>
-            </a:schemeClr>
-          </a:lnRef>
-          <a:fillRef idx="1">
-            <a:schemeClr val="accent1"/>
-          </a:fillRef>
-          <a:effectRef idx="0">
-            <a:schemeClr val="accent1"/>
-          </a:effectRef>
-          <a:fontRef idx="minor">
-            <a:schemeClr val="lt1"/>
-          </a:fontRef>
-        </p:style>
-        <p:txBody>
-          <a:bodyPr rtlCol="0" anchor="ctr"/>
-          <a:lstStyle/>
-          <a:p>
-            <a:pPr algn="ctr"/>
-            <a:endParaRPr lang="en-US"/>
-          </a:p>
-        </p:txBody>
-      </p:sp>
-      <p:sp>
-        <p:nvSpPr>
-          <p:cNvPr id="2" name="Title 1">
-            <a:extLst>
-              <a:ext uri="{FF2B5EF4-FFF2-40B4-BE49-F238E27FC236}">
-                <a16:creationId xmlns:a16="http://schemas.microsoft.com/office/drawing/2014/main" id="{B1868B6D-630C-A6BB-1301-F41092E98269}"/>
-              </a:ext>
-            </a:extLst>
-          </p:cNvPr>
-          <p:cNvSpPr>
-            <a:spLocks noGrp="1"/>
-          </p:cNvSpPr>
-          <p:nvPr>
-            <p:ph type="title"/>
-          </p:nvPr>
-        </p:nvSpPr>
-        <p:spPr>
-          <a:xfrm>
-            <a:off x="606478" y="386930"/>
-            <a:ext cx="6927525" cy="1188950"/>
-          </a:xfrm>
-        </p:spPr>
-        <p:txBody>
-          <a:bodyPr anchor="b">
-            <a:normAutofit/>
-          </a:bodyPr>
-          <a:lstStyle/>
-          <a:p>
-            <a:r>
-              <a:rPr lang="en-US" sz="4700"/>
-              <a:t>Sources</a:t>
-            </a:r>
-          </a:p>
-        </p:txBody>
-      </p:sp>
-      <p:grpSp>
-        <p:nvGrpSpPr>
-          <p:cNvPr id="13" name="Group 12">
-            <a:extLst>
-              <a:ext uri="{FF2B5EF4-FFF2-40B4-BE49-F238E27FC236}">
-                <a16:creationId xmlns:a16="http://schemas.microsoft.com/office/drawing/2014/main" id="{28FAF094-D087-493F-8DF9-A486C2D6BBAA}"/>
-              </a:ext>
-              <a:ext uri="{C183D7F6-B498-43B3-948B-1728B52AA6E4}">
-                <adec:decorative xmlns:adec="http://schemas.microsoft.com/office/drawing/2017/decorative" val="1"/>
-              </a:ext>
-            </a:extLst>
-          </p:cNvPr>
-          <p:cNvGrpSpPr>
-            <a:grpSpLocks noGrp="1" noUngrp="1" noRot="1" noChangeAspect="1" noMove="1" noResize="1"/>
-          </p:cNvGrpSpPr>
-          <p:nvPr>
-            <p:extLst>
-              <p:ext uri="{386F3935-93C4-4BCD-93E2-E3B085C9AB24}">
-                <p16:designElem xmlns:p16="http://schemas.microsoft.com/office/powerpoint/2015/main" val="1"/>
-              </p:ext>
-            </p:extLst>
-          </p:nvPr>
-        </p:nvGrpSpPr>
-        <p:grpSpPr>
-          <a:xfrm>
-            <a:off x="-1" y="1998368"/>
-            <a:ext cx="8771274" cy="782176"/>
-            <a:chOff x="-2" y="1998368"/>
-            <a:chExt cx="11695083" cy="782176"/>
-          </a:xfrm>
-        </p:grpSpPr>
-        <p:sp>
-          <p:nvSpPr>
-            <p:cNvPr id="11" name="Rectangle 10">
-              <a:extLst>
-                <a:ext uri="{FF2B5EF4-FFF2-40B4-BE49-F238E27FC236}">
-                  <a16:creationId xmlns:a16="http://schemas.microsoft.com/office/drawing/2014/main" id="{8D7C88D8-5509-4514-925A-9CE148E5CBD6}"/>
-                </a:ext>
-                <a:ext uri="{C183D7F6-B498-43B3-948B-1728B52AA6E4}">
-                  <adec:decorative xmlns:adec="http://schemas.microsoft.com/office/drawing/2017/decorative" val="1"/>
-                </a:ext>
-              </a:extLst>
-            </p:cNvPr>
-            <p:cNvSpPr/>
-            <p:nvPr>
-              <p:extLst>
-                <p:ext uri="{386F3935-93C4-4BCD-93E2-E3B085C9AB24}">
-                  <p16:designElem xmlns:p16="http://schemas.microsoft.com/office/powerpoint/2015/main" val="1"/>
-                </p:ext>
-              </p:extLst>
-            </p:nvPr>
-          </p:nvSpPr>
-          <p:spPr>
-            <a:xfrm rot="5400000">
-              <a:off x="11228040" y="2313027"/>
-              <a:ext cx="781700" cy="152382"/>
-            </a:xfrm>
-            <a:prstGeom prst="rect">
-              <a:avLst/>
-            </a:prstGeom>
-            <a:solidFill>
-              <a:schemeClr val="accent4"/>
-            </a:solidFill>
-            <a:ln>
-              <a:noFill/>
-            </a:ln>
-          </p:spPr>
-          <p:style>
-            <a:lnRef idx="2">
-              <a:schemeClr val="accent1">
-                <a:shade val="50000"/>
-              </a:schemeClr>
-            </a:lnRef>
-            <a:fillRef idx="1">
-              <a:schemeClr val="accent1"/>
-            </a:fillRef>
-            <a:effectRef idx="0">
-              <a:schemeClr val="accent1"/>
-            </a:effectRef>
-            <a:fontRef idx="minor">
-              <a:schemeClr val="lt1"/>
-            </a:fontRef>
-          </p:style>
-          <p:txBody>
-            <a:bodyPr rtlCol="0" anchor="ctr"/>
-            <a:lstStyle/>
-            <a:p>
-              <a:pPr algn="ctr"/>
-              <a:endParaRPr lang="en-US"/>
-            </a:p>
-          </p:txBody>
-        </p:sp>
-        <p:sp>
-          <p:nvSpPr>
-            <p:cNvPr id="12" name="Rectangle 11">
-              <a:extLst>
-                <a:ext uri="{FF2B5EF4-FFF2-40B4-BE49-F238E27FC236}">
-                  <a16:creationId xmlns:a16="http://schemas.microsoft.com/office/drawing/2014/main" id="{7275593D-F75E-4426-AE3E-2CDEFD228D25}"/>
-                </a:ext>
-                <a:ext uri="{C183D7F6-B498-43B3-948B-1728B52AA6E4}">
-                  <adec:decorative xmlns:adec="http://schemas.microsoft.com/office/drawing/2017/decorative" val="1"/>
-                </a:ext>
-              </a:extLst>
-            </p:cNvPr>
-            <p:cNvSpPr/>
-            <p:nvPr>
-              <p:extLst>
-                <p:ext uri="{386F3935-93C4-4BCD-93E2-E3B085C9AB24}">
-                  <p16:designElem xmlns:p16="http://schemas.microsoft.com/office/powerpoint/2015/main" val="1"/>
-                </p:ext>
-              </p:extLst>
-            </p:nvPr>
-          </p:nvSpPr>
-          <p:spPr>
-            <a:xfrm flipH="1" flipV="1">
-              <a:off x="-2" y="1998845"/>
-              <a:ext cx="11454595" cy="781699"/>
-            </a:xfrm>
-            <a:prstGeom prst="rect">
-              <a:avLst/>
-            </a:prstGeom>
-            <a:solidFill>
-              <a:schemeClr val="accent4"/>
-            </a:solidFill>
-            <a:ln>
-              <a:noFill/>
-            </a:ln>
-          </p:spPr>
-          <p:style>
-            <a:lnRef idx="2">
-              <a:schemeClr val="accent1">
-                <a:shade val="50000"/>
-              </a:schemeClr>
-            </a:lnRef>
-            <a:fillRef idx="1">
-              <a:schemeClr val="accent1"/>
-            </a:fillRef>
-            <a:effectRef idx="0">
-              <a:schemeClr val="accent1"/>
-            </a:effectRef>
-            <a:fontRef idx="minor">
-              <a:schemeClr val="lt1"/>
-            </a:fontRef>
-          </p:style>
-          <p:txBody>
-            <a:bodyPr rtlCol="0" anchor="ctr"/>
-            <a:lstStyle/>
-            <a:p>
-              <a:pPr algn="ctr"/>
-              <a:endParaRPr lang="en-US"/>
-            </a:p>
-          </p:txBody>
-        </p:sp>
-      </p:grpSp>
-      <p:sp>
-        <p:nvSpPr>
-          <p:cNvPr id="14" name="Rectangle 13">
-            <a:extLst>
-              <a:ext uri="{FF2B5EF4-FFF2-40B4-BE49-F238E27FC236}">
-                <a16:creationId xmlns:a16="http://schemas.microsoft.com/office/drawing/2014/main" id="{E659831F-0D9A-4C63-9EBB-8435B85A440F}"/>
-              </a:ext>
-              <a:ext uri="{C183D7F6-B498-43B3-948B-1728B52AA6E4}">
-                <adec:decorative xmlns:adec="http://schemas.microsoft.com/office/drawing/2017/decorative" val="1"/>
-              </a:ext>
-            </a:extLst>
-          </p:cNvPr>
-          <p:cNvSpPr>
-            <a:spLocks noGrp="1" noRot="1" noChangeAspect="1" noMove="1" noResize="1" noEditPoints="1" noAdjustHandles="1" noChangeArrowheads="1" noChangeShapeType="1" noTextEdit="1"/>
-          </p:cNvSpPr>
-          <p:nvPr>
-            <p:extLst>
-              <p:ext uri="{386F3935-93C4-4BCD-93E2-E3B085C9AB24}">
-                <p16:designElem xmlns:p16="http://schemas.microsoft.com/office/powerpoint/2015/main" val="1"/>
-              </p:ext>
-            </p:extLst>
-          </p:nvPr>
-        </p:nvSpPr>
-        <p:spPr>
-          <a:xfrm>
-            <a:off x="0" y="2203079"/>
-            <a:ext cx="8537521" cy="4147845"/>
-          </a:xfrm>
-          <a:prstGeom prst="rect">
-            <a:avLst/>
-          </a:prstGeom>
-          <a:solidFill>
-            <a:schemeClr val="bg1"/>
-          </a:solidFill>
-          <a:ln>
-            <a:noFill/>
-          </a:ln>
-          <a:effectLst>
-            <a:outerShdw blurRad="139700" dist="127000" dir="5400000" algn="t" rotWithShape="0">
-              <a:prstClr val="black">
-                <a:alpha val="15000"/>
-              </a:prstClr>
-            </a:outerShdw>
-          </a:effectLst>
-        </p:spPr>
-        <p:style>
-          <a:lnRef idx="2">
-            <a:schemeClr val="accent1">
-              <a:shade val="50000"/>
-            </a:schemeClr>
-          </a:lnRef>
-          <a:fillRef idx="1">
-            <a:schemeClr val="accent1"/>
-          </a:fillRef>
-          <a:effectRef idx="0">
-            <a:schemeClr val="accent1"/>
-          </a:effectRef>
-          <a:fontRef idx="minor">
-            <a:schemeClr val="lt1"/>
-          </a:fontRef>
-        </p:style>
-        <p:txBody>
-          <a:bodyPr rtlCol="0" anchor="ctr"/>
-          <a:lstStyle/>
-          <a:p>
-            <a:pPr algn="ctr"/>
-            <a:endParaRPr lang="en-US"/>
-          </a:p>
-        </p:txBody>
-      </p:sp>
-      <p:sp>
-        <p:nvSpPr>
-          <p:cNvPr id="15" name="Content Placeholder 2">
-            <a:extLst>
-              <a:ext uri="{FF2B5EF4-FFF2-40B4-BE49-F238E27FC236}">
-                <a16:creationId xmlns:a16="http://schemas.microsoft.com/office/drawing/2014/main" id="{A4A554E0-6AB5-2890-B911-280900988A12}"/>
-              </a:ext>
-            </a:extLst>
-          </p:cNvPr>
-          <p:cNvSpPr>
-            <a:spLocks noGrp="1"/>
-          </p:cNvSpPr>
-          <p:nvPr>
-            <p:ph idx="1"/>
-          </p:nvPr>
-        </p:nvSpPr>
-        <p:spPr>
-          <a:xfrm>
-            <a:off x="595245" y="2599509"/>
-            <a:ext cx="7607751" cy="3435531"/>
-          </a:xfrm>
-        </p:spPr>
-        <p:txBody>
-          <a:bodyPr anchor="ctr">
-            <a:normAutofit/>
-          </a:bodyPr>
-          <a:lstStyle/>
-          <a:p>
-            <a:r>
-              <a:rPr lang="en-US" sz="2100"/>
-              <a:t>National Financial Educators Council and Junior Achievement USA </a:t>
-            </a:r>
-          </a:p>
-          <a:p>
-            <a:r>
-              <a:rPr lang="en-US" sz="2100"/>
-              <a:t>Pew Research Center, Gallup and Statista</a:t>
-            </a:r>
-          </a:p>
-          <a:p>
-            <a:r>
-              <a:rPr lang="en-US" sz="2100"/>
-              <a:t>Fidelity, Vanguard and Morningstar</a:t>
-            </a:r>
-          </a:p>
-          <a:p>
-            <a:r>
-              <a:rPr lang="en-US" sz="2100"/>
-              <a:t>Bloomberg</a:t>
-            </a:r>
-          </a:p>
-          <a:p>
-            <a:r>
-              <a:rPr lang="en-US" sz="2100"/>
-              <a:t>Financial Literacy and Education Commission</a:t>
-            </a:r>
-          </a:p>
-          <a:p>
-            <a:r>
-              <a:rPr lang="en-US" sz="2100"/>
-              <a:t>ChatGPT</a:t>
-            </a:r>
-          </a:p>
-          <a:p>
-            <a:r>
-              <a:rPr lang="en-US" sz="2100"/>
-              <a:t>Google</a:t>
-            </a:r>
-          </a:p>
-          <a:p>
-            <a:r>
-              <a:rPr lang="en-US" sz="2100"/>
-              <a:t>Youtube</a:t>
-            </a:r>
-          </a:p>
-        </p:txBody>
-      </p:sp>
-    </p:spTree>
-    <p:extLst>
-      <p:ext uri="{BB962C8B-B14F-4D97-AF65-F5344CB8AC3E}">
-        <p14:creationId xmlns:p14="http://schemas.microsoft.com/office/powerpoint/2010/main" val="93657319"/>
-      </p:ext>
-    </p:extLst>
   </p:cSld>
   <p:clrMapOvr>
     <a:masterClrMapping/>
